--- a/slide/chapter02_02.pptx
+++ b/slide/chapter02_02.pptx
@@ -5,14 +5,20 @@
     <p:sldMasterId id="2147483648" r:id="rId1"/>
   </p:sldMasterIdLst>
   <p:notesMasterIdLst>
-    <p:notesMasterId r:id="rId3"/>
+    <p:notesMasterId r:id="rId10"/>
   </p:notesMasterIdLst>
   <p:handoutMasterIdLst>
-    <p:handoutMasterId r:id="rId4"/>
+    <p:handoutMasterId r:id="rId11"/>
   </p:handoutMasterIdLst>
-  <p:sldIdLst xmlns:a="http://schemas.openxmlformats.org/drawingml/2006/main" xmlns:r="http://schemas.openxmlformats.org/officeDocument/2006/relationships" xmlns:p="http://schemas.openxmlformats.org/presentationml/2006/main">
-    <p:sldId id="256" r:id="rId9"/>
-    <p:sldId id="257" r:id="rId10"/>
+  <p:sldIdLst>
+    <p:sldId id="256" r:id="rId2"/>
+    <p:sldId id="258" r:id="rId3"/>
+    <p:sldId id="259" r:id="rId4"/>
+    <p:sldId id="260" r:id="rId5"/>
+    <p:sldId id="262" r:id="rId6"/>
+    <p:sldId id="263" r:id="rId7"/>
+    <p:sldId id="265" r:id="rId8"/>
+    <p:sldId id="257" r:id="rId9"/>
   </p:sldIdLst>
   <p:sldSz cx="12192000" cy="6858000"/>
   <p:notesSz cx="6858000" cy="9144000"/>
@@ -227,7 +233,7 @@
           <a:p>
             <a:fld id="{29390878-AFCD-49E6-A91A-D3D82D9E9D55}" type="datetimeFigureOut">
               <a:rPr lang="ko-KR" altLang="en-US" smtClean="0"/>
-              <a:t>2019-02-11</a:t>
+              <a:t>2019-02-13</a:t>
             </a:fld>
             <a:endParaRPr lang="ko-KR" altLang="en-US"/>
           </a:p>
@@ -404,7 +410,7 @@
           <a:p>
             <a:fld id="{459417EB-76F7-4DE7-93AA-C880C553CE34}" type="datetimeFigureOut">
               <a:rPr lang="ko-KR" altLang="en-US" smtClean="0"/>
-              <a:t>2019-02-11</a:t>
+              <a:t>2019-02-13</a:t>
             </a:fld>
             <a:endParaRPr lang="ko-KR" altLang="en-US"/>
           </a:p>
@@ -6964,9 +6970,9 @@
           <a:chExt cx="0" cy="0"/>
         </a:xfrm>
       </p:grpSpPr>
-      <p:sp xmlns:a="http://schemas.openxmlformats.org/drawingml/2006/main" xmlns:r="http://schemas.openxmlformats.org/officeDocument/2006/relationships" xmlns:p="http://schemas.openxmlformats.org/presentationml/2006/main">
-        <p:nvSpPr>
-          <p:cNvPr id="2" name=""/>
+      <p:sp>
+        <p:nvSpPr>
+          <p:cNvPr id="2" name="텍스트 개체 틀 1"/>
           <p:cNvSpPr>
             <a:spLocks noGrp="1"/>
           </p:cNvSpPr>
@@ -6985,15 +6991,14 @@
           <a:lstStyle/>
           <a:p>
             <a:r>
-              <a:rPr/>
               <a:t>02</a:t>
             </a:r>
           </a:p>
         </p:txBody>
       </p:sp>
-      <p:sp xmlns:a="http://schemas.openxmlformats.org/drawingml/2006/main" xmlns:r="http://schemas.openxmlformats.org/officeDocument/2006/relationships" xmlns:p="http://schemas.openxmlformats.org/presentationml/2006/main">
-        <p:nvSpPr>
-          <p:cNvPr id="3" name=""/>
+      <p:sp>
+        <p:nvSpPr>
+          <p:cNvPr id="3" name="제목 2"/>
           <p:cNvSpPr>
             <a:spLocks noGrp="1"/>
           </p:cNvSpPr>
@@ -7012,15 +7017,14 @@
           <a:lstStyle/>
           <a:p>
             <a:r>
-              <a:rPr/>
               <a:t>데이터의 기본</a:t>
             </a:r>
           </a:p>
         </p:txBody>
       </p:sp>
-      <p:sp xmlns:a="http://schemas.openxmlformats.org/drawingml/2006/main" xmlns:r="http://schemas.openxmlformats.org/officeDocument/2006/relationships" xmlns:p="http://schemas.openxmlformats.org/presentationml/2006/main">
-        <p:nvSpPr>
-          <p:cNvPr id="4" name=""/>
+      <p:sp>
+        <p:nvSpPr>
+          <p:cNvPr id="4" name="텍스트 개체 틀 3"/>
           <p:cNvSpPr>
             <a:spLocks noGrp="1"/>
           </p:cNvSpPr>
@@ -7039,9 +7043,18 @@
           <a:lstStyle/>
           <a:p>
             <a:r>
-              <a:rPr/>
-              <a:t>단일 종류의 데이터</a:t>
-            </a:r>
+              <a:rPr lang="ko-KR" altLang="en-US" dirty="0"/>
+              <a:t>모두 같은</a:t>
+            </a:r>
+            <a:r>
+              <a:rPr dirty="0"/>
+              <a:t> 종류의 데이터</a:t>
+            </a:r>
+            <a:r>
+              <a:rPr lang="ko-KR" altLang="en-US" dirty="0"/>
+              <a:t> 묶음</a:t>
+            </a:r>
+            <a:endParaRPr dirty="0"/>
           </a:p>
         </p:txBody>
       </p:sp>
@@ -7070,9 +7083,3159 @@
           <a:chExt cx="0" cy="0"/>
         </a:xfrm>
       </p:grpSpPr>
-      <p:sp xmlns:a="http://schemas.openxmlformats.org/drawingml/2006/main" xmlns:r="http://schemas.openxmlformats.org/officeDocument/2006/relationships" xmlns:p="http://schemas.openxmlformats.org/presentationml/2006/main">
-        <p:nvSpPr>
-          <p:cNvPr id="2" name=""/>
+      <p:sp>
+        <p:nvSpPr>
+          <p:cNvPr id="4" name="제목 3">
+            <a:extLst>
+              <a:ext uri="{FF2B5EF4-FFF2-40B4-BE49-F238E27FC236}">
+                <a16:creationId xmlns:a16="http://schemas.microsoft.com/office/drawing/2014/main" id="{80F83AF7-673C-48EE-88AA-5231C3FDE449}"/>
+              </a:ext>
+            </a:extLst>
+          </p:cNvPr>
+          <p:cNvSpPr>
+            <a:spLocks noGrp="1"/>
+          </p:cNvSpPr>
+          <p:nvPr>
+            <p:ph type="title"/>
+          </p:nvPr>
+        </p:nvSpPr>
+        <p:spPr/>
+        <p:txBody>
+          <a:bodyPr/>
+          <a:lstStyle/>
+          <a:p>
+            <a:r>
+              <a:rPr lang="ko-KR" altLang="en-US" dirty="0"/>
+              <a:t>원자 벡터</a:t>
+            </a:r>
+          </a:p>
+        </p:txBody>
+      </p:sp>
+      <p:sp>
+        <p:nvSpPr>
+          <p:cNvPr id="5" name="텍스트 개체 틀 4">
+            <a:extLst>
+              <a:ext uri="{FF2B5EF4-FFF2-40B4-BE49-F238E27FC236}">
+                <a16:creationId xmlns:a16="http://schemas.microsoft.com/office/drawing/2014/main" id="{03232471-C71E-4213-BADC-438102C588B6}"/>
+              </a:ext>
+            </a:extLst>
+          </p:cNvPr>
+          <p:cNvSpPr>
+            <a:spLocks noGrp="1"/>
+          </p:cNvSpPr>
+          <p:nvPr>
+            <p:ph type="body" sz="quarter" idx="10"/>
+          </p:nvPr>
+        </p:nvSpPr>
+        <p:spPr/>
+        <p:txBody>
+          <a:bodyPr/>
+          <a:lstStyle/>
+          <a:p>
+            <a:r>
+              <a:rPr lang="en-US" altLang="ko-KR" dirty="0"/>
+              <a:t>02</a:t>
+            </a:r>
+            <a:endParaRPr lang="ko-KR" altLang="en-US" dirty="0"/>
+          </a:p>
+        </p:txBody>
+      </p:sp>
+      <p:sp>
+        <p:nvSpPr>
+          <p:cNvPr id="6" name="내용 개체 틀 5">
+            <a:extLst>
+              <a:ext uri="{FF2B5EF4-FFF2-40B4-BE49-F238E27FC236}">
+                <a16:creationId xmlns:a16="http://schemas.microsoft.com/office/drawing/2014/main" id="{D70D8497-63ED-458B-83CC-75B715CFA001}"/>
+              </a:ext>
+            </a:extLst>
+          </p:cNvPr>
+          <p:cNvSpPr>
+            <a:spLocks noGrp="1"/>
+          </p:cNvSpPr>
+          <p:nvPr>
+            <p:ph sz="quarter" idx="11"/>
+          </p:nvPr>
+        </p:nvSpPr>
+        <p:spPr/>
+        <p:txBody>
+          <a:bodyPr/>
+          <a:lstStyle/>
+          <a:p>
+            <a:r>
+              <a:rPr lang="ko-KR" altLang="en-US" dirty="0"/>
+              <a:t>데이터의 기본</a:t>
+            </a:r>
+          </a:p>
+        </p:txBody>
+      </p:sp>
+      <p:sp>
+        <p:nvSpPr>
+          <p:cNvPr id="7" name="텍스트 개체 틀 6">
+            <a:extLst>
+              <a:ext uri="{FF2B5EF4-FFF2-40B4-BE49-F238E27FC236}">
+                <a16:creationId xmlns:a16="http://schemas.microsoft.com/office/drawing/2014/main" id="{0A22EB7E-10EB-4AB2-A4B6-7E7E9BFBC96B}"/>
+              </a:ext>
+            </a:extLst>
+          </p:cNvPr>
+          <p:cNvSpPr>
+            <a:spLocks noGrp="1"/>
+          </p:cNvSpPr>
+          <p:nvPr>
+            <p:ph type="body" sz="quarter" idx="12"/>
+          </p:nvPr>
+        </p:nvSpPr>
+        <p:spPr/>
+        <p:txBody>
+          <a:bodyPr/>
+          <a:lstStyle/>
+          <a:p>
+            <a:r>
+              <a:rPr lang="ko-KR" altLang="en-US" dirty="0"/>
+              <a:t>모두 같은 종류의 </a:t>
+            </a:r>
+            <a:r>
+              <a:rPr lang="en-US" altLang="ko-KR" dirty="0"/>
+              <a:t>(</a:t>
+            </a:r>
+            <a:r>
+              <a:rPr lang="ko-KR" altLang="en-US" dirty="0"/>
+              <a:t>한 개 이상의</a:t>
+            </a:r>
+            <a:r>
+              <a:rPr lang="en-US" altLang="ko-KR" dirty="0"/>
+              <a:t>) </a:t>
+            </a:r>
+            <a:r>
+              <a:rPr lang="ko-KR" altLang="en-US" dirty="0"/>
+              <a:t>데이터 묶음</a:t>
+            </a:r>
+          </a:p>
+        </p:txBody>
+      </p:sp>
+      <p:sp>
+        <p:nvSpPr>
+          <p:cNvPr id="9" name="TextBox 8">
+            <a:extLst>
+              <a:ext uri="{FF2B5EF4-FFF2-40B4-BE49-F238E27FC236}">
+                <a16:creationId xmlns:a16="http://schemas.microsoft.com/office/drawing/2014/main" id="{480181C9-1AED-42FC-B40F-D542A4A2CC14}"/>
+              </a:ext>
+            </a:extLst>
+          </p:cNvPr>
+          <p:cNvSpPr txBox="1"/>
+          <p:nvPr/>
+        </p:nvSpPr>
+        <p:spPr>
+          <a:xfrm>
+            <a:off x="1921481" y="2109693"/>
+            <a:ext cx="620683" cy="369332"/>
+          </a:xfrm>
+          <a:prstGeom prst="rect">
+            <a:avLst/>
+          </a:prstGeom>
+          <a:noFill/>
+        </p:spPr>
+        <p:txBody>
+          <a:bodyPr wrap="none" rtlCol="0">
+            <a:spAutoFit/>
+          </a:bodyPr>
+          <a:lstStyle/>
+          <a:p>
+            <a:r>
+              <a:rPr lang="ko-KR" altLang="en-US" b="1" dirty="0">
+                <a:solidFill>
+                  <a:schemeClr val="bg1">
+                    <a:lumMod val="75000"/>
+                  </a:schemeClr>
+                </a:solidFill>
+              </a:rPr>
+              <a:t>벡터</a:t>
+            </a:r>
+          </a:p>
+        </p:txBody>
+      </p:sp>
+      <p:sp>
+        <p:nvSpPr>
+          <p:cNvPr id="10" name="TextBox 9">
+            <a:extLst>
+              <a:ext uri="{FF2B5EF4-FFF2-40B4-BE49-F238E27FC236}">
+                <a16:creationId xmlns:a16="http://schemas.microsoft.com/office/drawing/2014/main" id="{FC253D2B-D67D-4DCE-A59F-BBD947F8D560}"/>
+              </a:ext>
+            </a:extLst>
+          </p:cNvPr>
+          <p:cNvSpPr txBox="1"/>
+          <p:nvPr/>
+        </p:nvSpPr>
+        <p:spPr>
+          <a:xfrm>
+            <a:off x="2153833" y="2805937"/>
+            <a:ext cx="1109599" cy="369332"/>
+          </a:xfrm>
+          <a:prstGeom prst="rect">
+            <a:avLst/>
+          </a:prstGeom>
+          <a:noFill/>
+          <a:ln>
+            <a:noFill/>
+          </a:ln>
+        </p:spPr>
+        <p:txBody>
+          <a:bodyPr wrap="none" rtlCol="0">
+            <a:spAutoFit/>
+          </a:bodyPr>
+          <a:lstStyle/>
+          <a:p>
+            <a:r>
+              <a:rPr lang="ko-KR" altLang="en-US" b="1" dirty="0"/>
+              <a:t>원자 벡터</a:t>
+            </a:r>
+          </a:p>
+        </p:txBody>
+      </p:sp>
+      <p:sp>
+        <p:nvSpPr>
+          <p:cNvPr id="11" name="TextBox 10">
+            <a:extLst>
+              <a:ext uri="{FF2B5EF4-FFF2-40B4-BE49-F238E27FC236}">
+                <a16:creationId xmlns:a16="http://schemas.microsoft.com/office/drawing/2014/main" id="{642C2FFD-E44D-4D2C-BA28-57722344A2CA}"/>
+              </a:ext>
+            </a:extLst>
+          </p:cNvPr>
+          <p:cNvSpPr txBox="1"/>
+          <p:nvPr/>
+        </p:nvSpPr>
+        <p:spPr>
+          <a:xfrm>
+            <a:off x="2325866" y="3476329"/>
+            <a:ext cx="819455" cy="369332"/>
+          </a:xfrm>
+          <a:prstGeom prst="rect">
+            <a:avLst/>
+          </a:prstGeom>
+          <a:noFill/>
+          <a:ln>
+            <a:noFill/>
+          </a:ln>
+        </p:spPr>
+        <p:txBody>
+          <a:bodyPr wrap="none" rtlCol="0">
+            <a:spAutoFit/>
+          </a:bodyPr>
+          <a:lstStyle/>
+          <a:p>
+            <a:r>
+              <a:rPr lang="ko-KR" altLang="en-US" dirty="0">
+                <a:solidFill>
+                  <a:schemeClr val="bg1">
+                    <a:lumMod val="75000"/>
+                  </a:schemeClr>
+                </a:solidFill>
+              </a:rPr>
+              <a:t>논리형</a:t>
+            </a:r>
+          </a:p>
+        </p:txBody>
+      </p:sp>
+      <p:sp>
+        <p:nvSpPr>
+          <p:cNvPr id="12" name="TextBox 11">
+            <a:extLst>
+              <a:ext uri="{FF2B5EF4-FFF2-40B4-BE49-F238E27FC236}">
+                <a16:creationId xmlns:a16="http://schemas.microsoft.com/office/drawing/2014/main" id="{2C003186-F6FF-48F4-B169-CD7E7CBC2F96}"/>
+              </a:ext>
+            </a:extLst>
+          </p:cNvPr>
+          <p:cNvSpPr txBox="1"/>
+          <p:nvPr/>
+        </p:nvSpPr>
+        <p:spPr>
+          <a:xfrm>
+            <a:off x="3533679" y="3469682"/>
+            <a:ext cx="838691" cy="369332"/>
+          </a:xfrm>
+          <a:prstGeom prst="rect">
+            <a:avLst/>
+          </a:prstGeom>
+          <a:noFill/>
+          <a:ln>
+            <a:noFill/>
+          </a:ln>
+        </p:spPr>
+        <p:txBody>
+          <a:bodyPr wrap="none" rtlCol="0">
+            <a:spAutoFit/>
+          </a:bodyPr>
+          <a:lstStyle/>
+          <a:p>
+            <a:r>
+              <a:rPr lang="ko-KR" altLang="en-US" b="1" dirty="0">
+                <a:solidFill>
+                  <a:schemeClr val="bg1">
+                    <a:lumMod val="75000"/>
+                  </a:schemeClr>
+                </a:solidFill>
+              </a:rPr>
+              <a:t>숫자형</a:t>
+            </a:r>
+          </a:p>
+        </p:txBody>
+      </p:sp>
+      <p:sp>
+        <p:nvSpPr>
+          <p:cNvPr id="13" name="TextBox 12">
+            <a:extLst>
+              <a:ext uri="{FF2B5EF4-FFF2-40B4-BE49-F238E27FC236}">
+                <a16:creationId xmlns:a16="http://schemas.microsoft.com/office/drawing/2014/main" id="{B75EF43E-FE20-4077-9161-95949A8CC0C5}"/>
+              </a:ext>
+            </a:extLst>
+          </p:cNvPr>
+          <p:cNvSpPr txBox="1"/>
+          <p:nvPr/>
+        </p:nvSpPr>
+        <p:spPr>
+          <a:xfrm>
+            <a:off x="5081108" y="3476329"/>
+            <a:ext cx="819455" cy="369332"/>
+          </a:xfrm>
+          <a:prstGeom prst="rect">
+            <a:avLst/>
+          </a:prstGeom>
+          <a:noFill/>
+          <a:ln>
+            <a:noFill/>
+          </a:ln>
+        </p:spPr>
+        <p:txBody>
+          <a:bodyPr wrap="none" rtlCol="0">
+            <a:spAutoFit/>
+          </a:bodyPr>
+          <a:lstStyle/>
+          <a:p>
+            <a:r>
+              <a:rPr lang="ko-KR" altLang="en-US" dirty="0">
+                <a:solidFill>
+                  <a:schemeClr val="bg1">
+                    <a:lumMod val="75000"/>
+                  </a:schemeClr>
+                </a:solidFill>
+              </a:rPr>
+              <a:t>글자형</a:t>
+            </a:r>
+          </a:p>
+        </p:txBody>
+      </p:sp>
+      <p:sp>
+        <p:nvSpPr>
+          <p:cNvPr id="14" name="TextBox 13">
+            <a:extLst>
+              <a:ext uri="{FF2B5EF4-FFF2-40B4-BE49-F238E27FC236}">
+                <a16:creationId xmlns:a16="http://schemas.microsoft.com/office/drawing/2014/main" id="{E2EBF4A9-A87E-4C8D-A9C7-432C5C01F6D0}"/>
+              </a:ext>
+            </a:extLst>
+          </p:cNvPr>
+          <p:cNvSpPr txBox="1"/>
+          <p:nvPr/>
+        </p:nvSpPr>
+        <p:spPr>
+          <a:xfrm>
+            <a:off x="3688082" y="3944194"/>
+            <a:ext cx="819455" cy="369332"/>
+          </a:xfrm>
+          <a:prstGeom prst="rect">
+            <a:avLst/>
+          </a:prstGeom>
+          <a:noFill/>
+          <a:ln>
+            <a:noFill/>
+          </a:ln>
+        </p:spPr>
+        <p:txBody>
+          <a:bodyPr wrap="none" rtlCol="0">
+            <a:spAutoFit/>
+          </a:bodyPr>
+          <a:lstStyle/>
+          <a:p>
+            <a:r>
+              <a:rPr lang="ko-KR" altLang="en-US" dirty="0">
+                <a:solidFill>
+                  <a:schemeClr val="bg1">
+                    <a:lumMod val="75000"/>
+                  </a:schemeClr>
+                </a:solidFill>
+              </a:rPr>
+              <a:t>정수형</a:t>
+            </a:r>
+          </a:p>
+        </p:txBody>
+      </p:sp>
+      <p:sp>
+        <p:nvSpPr>
+          <p:cNvPr id="15" name="TextBox 14">
+            <a:extLst>
+              <a:ext uri="{FF2B5EF4-FFF2-40B4-BE49-F238E27FC236}">
+                <a16:creationId xmlns:a16="http://schemas.microsoft.com/office/drawing/2014/main" id="{EF420026-E7C5-40BA-98EA-F6C0C4D5E59A}"/>
+              </a:ext>
+            </a:extLst>
+          </p:cNvPr>
+          <p:cNvSpPr txBox="1"/>
+          <p:nvPr/>
+        </p:nvSpPr>
+        <p:spPr>
+          <a:xfrm>
+            <a:off x="3688082" y="4285469"/>
+            <a:ext cx="607859" cy="369332"/>
+          </a:xfrm>
+          <a:prstGeom prst="rect">
+            <a:avLst/>
+          </a:prstGeom>
+          <a:noFill/>
+          <a:ln>
+            <a:noFill/>
+          </a:ln>
+        </p:spPr>
+        <p:txBody>
+          <a:bodyPr wrap="none" rtlCol="0">
+            <a:spAutoFit/>
+          </a:bodyPr>
+          <a:lstStyle/>
+          <a:p>
+            <a:r>
+              <a:rPr lang="ko-KR" altLang="en-US" dirty="0">
+                <a:solidFill>
+                  <a:schemeClr val="bg1">
+                    <a:lumMod val="75000"/>
+                  </a:schemeClr>
+                </a:solidFill>
+              </a:rPr>
+              <a:t>더블</a:t>
+            </a:r>
+          </a:p>
+        </p:txBody>
+      </p:sp>
+      <p:sp>
+        <p:nvSpPr>
+          <p:cNvPr id="16" name="TextBox 15">
+            <a:extLst>
+              <a:ext uri="{FF2B5EF4-FFF2-40B4-BE49-F238E27FC236}">
+                <a16:creationId xmlns:a16="http://schemas.microsoft.com/office/drawing/2014/main" id="{B2850DAA-C695-48B9-BD1A-C40CAFA1D5C7}"/>
+              </a:ext>
+            </a:extLst>
+          </p:cNvPr>
+          <p:cNvSpPr txBox="1"/>
+          <p:nvPr/>
+        </p:nvSpPr>
+        <p:spPr>
+          <a:xfrm>
+            <a:off x="6979845" y="3418693"/>
+            <a:ext cx="819455" cy="369332"/>
+          </a:xfrm>
+          <a:prstGeom prst="rect">
+            <a:avLst/>
+          </a:prstGeom>
+          <a:noFill/>
+          <a:ln>
+            <a:noFill/>
+          </a:ln>
+        </p:spPr>
+        <p:txBody>
+          <a:bodyPr wrap="none" rtlCol="0">
+            <a:spAutoFit/>
+          </a:bodyPr>
+          <a:lstStyle/>
+          <a:p>
+            <a:r>
+              <a:rPr lang="ko-KR" altLang="en-US" dirty="0">
+                <a:solidFill>
+                  <a:schemeClr val="bg1">
+                    <a:lumMod val="75000"/>
+                  </a:schemeClr>
+                </a:solidFill>
+              </a:rPr>
+              <a:t>리스트</a:t>
+            </a:r>
+          </a:p>
+        </p:txBody>
+      </p:sp>
+      <p:sp>
+        <p:nvSpPr>
+          <p:cNvPr id="17" name="TextBox 16">
+            <a:extLst>
+              <a:ext uri="{FF2B5EF4-FFF2-40B4-BE49-F238E27FC236}">
+                <a16:creationId xmlns:a16="http://schemas.microsoft.com/office/drawing/2014/main" id="{72D352BD-F1EA-4E56-AEA8-12F7484F69CD}"/>
+              </a:ext>
+            </a:extLst>
+          </p:cNvPr>
+          <p:cNvSpPr txBox="1"/>
+          <p:nvPr/>
+        </p:nvSpPr>
+        <p:spPr>
+          <a:xfrm>
+            <a:off x="9024054" y="3434199"/>
+            <a:ext cx="676788" cy="369332"/>
+          </a:xfrm>
+          <a:prstGeom prst="rect">
+            <a:avLst/>
+          </a:prstGeom>
+          <a:noFill/>
+          <a:ln>
+            <a:noFill/>
+          </a:ln>
+        </p:spPr>
+        <p:txBody>
+          <a:bodyPr wrap="none" rtlCol="0">
+            <a:spAutoFit/>
+          </a:bodyPr>
+          <a:lstStyle/>
+          <a:p>
+            <a:r>
+              <a:rPr lang="en-US" altLang="ko-KR" b="1" dirty="0">
+                <a:solidFill>
+                  <a:schemeClr val="bg1">
+                    <a:lumMod val="75000"/>
+                  </a:schemeClr>
+                </a:solidFill>
+              </a:rPr>
+              <a:t>NULL</a:t>
+            </a:r>
+            <a:endParaRPr lang="ko-KR" altLang="en-US" b="1" dirty="0">
+              <a:solidFill>
+                <a:schemeClr val="bg1">
+                  <a:lumMod val="75000"/>
+                </a:schemeClr>
+              </a:solidFill>
+            </a:endParaRPr>
+          </a:p>
+        </p:txBody>
+      </p:sp>
+      <p:sp>
+        <p:nvSpPr>
+          <p:cNvPr id="18" name="사각형: 둥근 모서리 17">
+            <a:extLst>
+              <a:ext uri="{FF2B5EF4-FFF2-40B4-BE49-F238E27FC236}">
+                <a16:creationId xmlns:a16="http://schemas.microsoft.com/office/drawing/2014/main" id="{878C91E4-B2A7-4DD5-B49B-D91F1FAA79E3}"/>
+              </a:ext>
+            </a:extLst>
+          </p:cNvPr>
+          <p:cNvSpPr/>
+          <p:nvPr/>
+        </p:nvSpPr>
+        <p:spPr>
+          <a:xfrm>
+            <a:off x="1788178" y="2493987"/>
+            <a:ext cx="6606377" cy="2588077"/>
+          </a:xfrm>
+          <a:prstGeom prst="roundRect">
+            <a:avLst>
+              <a:gd name="adj" fmla="val 8467"/>
+            </a:avLst>
+          </a:prstGeom>
+          <a:noFill/>
+          <a:ln w="28575">
+            <a:solidFill>
+              <a:schemeClr val="bg2"/>
+            </a:solidFill>
+          </a:ln>
+        </p:spPr>
+        <p:style>
+          <a:lnRef idx="2">
+            <a:schemeClr val="accent1">
+              <a:shade val="50000"/>
+            </a:schemeClr>
+          </a:lnRef>
+          <a:fillRef idx="1">
+            <a:schemeClr val="accent1"/>
+          </a:fillRef>
+          <a:effectRef idx="0">
+            <a:schemeClr val="accent1"/>
+          </a:effectRef>
+          <a:fontRef idx="minor">
+            <a:schemeClr val="lt1"/>
+          </a:fontRef>
+        </p:style>
+        <p:txBody>
+          <a:bodyPr rtlCol="0" anchor="ctr"/>
+          <a:lstStyle/>
+          <a:p>
+            <a:pPr algn="ctr"/>
+            <a:endParaRPr lang="ko-KR" altLang="en-US">
+              <a:solidFill>
+                <a:schemeClr val="bg1">
+                  <a:lumMod val="75000"/>
+                </a:schemeClr>
+              </a:solidFill>
+            </a:endParaRPr>
+          </a:p>
+        </p:txBody>
+      </p:sp>
+      <p:sp>
+        <p:nvSpPr>
+          <p:cNvPr id="19" name="사각형: 둥근 모서리 18">
+            <a:extLst>
+              <a:ext uri="{FF2B5EF4-FFF2-40B4-BE49-F238E27FC236}">
+                <a16:creationId xmlns:a16="http://schemas.microsoft.com/office/drawing/2014/main" id="{30F5BCC9-7C24-4E5F-8DD3-F1BE0D60CE0C}"/>
+              </a:ext>
+            </a:extLst>
+          </p:cNvPr>
+          <p:cNvSpPr/>
+          <p:nvPr/>
+        </p:nvSpPr>
+        <p:spPr>
+          <a:xfrm>
+            <a:off x="2014703" y="3228021"/>
+            <a:ext cx="4228059" cy="1678087"/>
+          </a:xfrm>
+          <a:prstGeom prst="roundRect">
+            <a:avLst>
+              <a:gd name="adj" fmla="val 8467"/>
+            </a:avLst>
+          </a:prstGeom>
+          <a:noFill/>
+          <a:ln w="28575">
+            <a:solidFill>
+              <a:schemeClr val="tx1"/>
+            </a:solidFill>
+          </a:ln>
+        </p:spPr>
+        <p:style>
+          <a:lnRef idx="2">
+            <a:schemeClr val="accent1">
+              <a:shade val="50000"/>
+            </a:schemeClr>
+          </a:lnRef>
+          <a:fillRef idx="1">
+            <a:schemeClr val="accent1"/>
+          </a:fillRef>
+          <a:effectRef idx="0">
+            <a:schemeClr val="accent1"/>
+          </a:effectRef>
+          <a:fontRef idx="minor">
+            <a:schemeClr val="lt1"/>
+          </a:fontRef>
+        </p:style>
+        <p:txBody>
+          <a:bodyPr rtlCol="0" anchor="ctr"/>
+          <a:lstStyle/>
+          <a:p>
+            <a:pPr algn="ctr"/>
+            <a:endParaRPr lang="ko-KR" altLang="en-US">
+              <a:solidFill>
+                <a:schemeClr val="bg1">
+                  <a:lumMod val="75000"/>
+                </a:schemeClr>
+              </a:solidFill>
+            </a:endParaRPr>
+          </a:p>
+        </p:txBody>
+      </p:sp>
+      <p:sp>
+        <p:nvSpPr>
+          <p:cNvPr id="20" name="사각형: 둥근 모서리 19">
+            <a:extLst>
+              <a:ext uri="{FF2B5EF4-FFF2-40B4-BE49-F238E27FC236}">
+                <a16:creationId xmlns:a16="http://schemas.microsoft.com/office/drawing/2014/main" id="{C8A3FF6E-DC03-43F3-91FB-2F1B06BE153A}"/>
+              </a:ext>
+            </a:extLst>
+          </p:cNvPr>
+          <p:cNvSpPr/>
+          <p:nvPr/>
+        </p:nvSpPr>
+        <p:spPr>
+          <a:xfrm>
+            <a:off x="3533679" y="3873830"/>
+            <a:ext cx="1168114" cy="856129"/>
+          </a:xfrm>
+          <a:prstGeom prst="roundRect">
+            <a:avLst>
+              <a:gd name="adj" fmla="val 8467"/>
+            </a:avLst>
+          </a:prstGeom>
+          <a:noFill/>
+          <a:ln w="28575">
+            <a:solidFill>
+              <a:schemeClr val="bg2"/>
+            </a:solidFill>
+          </a:ln>
+        </p:spPr>
+        <p:style>
+          <a:lnRef idx="2">
+            <a:schemeClr val="accent1">
+              <a:shade val="50000"/>
+            </a:schemeClr>
+          </a:lnRef>
+          <a:fillRef idx="1">
+            <a:schemeClr val="accent1"/>
+          </a:fillRef>
+          <a:effectRef idx="0">
+            <a:schemeClr val="accent1"/>
+          </a:effectRef>
+          <a:fontRef idx="minor">
+            <a:schemeClr val="lt1"/>
+          </a:fontRef>
+        </p:style>
+        <p:txBody>
+          <a:bodyPr rtlCol="0" anchor="ctr"/>
+          <a:lstStyle/>
+          <a:p>
+            <a:pPr algn="ctr"/>
+            <a:endParaRPr lang="ko-KR" altLang="en-US">
+              <a:solidFill>
+                <a:schemeClr val="bg1">
+                  <a:lumMod val="75000"/>
+                </a:schemeClr>
+              </a:solidFill>
+            </a:endParaRPr>
+          </a:p>
+        </p:txBody>
+      </p:sp>
+      <p:sp>
+        <p:nvSpPr>
+          <p:cNvPr id="21" name="사각형: 둥근 모서리 20">
+            <a:extLst>
+              <a:ext uri="{FF2B5EF4-FFF2-40B4-BE49-F238E27FC236}">
+                <a16:creationId xmlns:a16="http://schemas.microsoft.com/office/drawing/2014/main" id="{15C6628F-C1AF-4C23-AAD8-E9BBA026640B}"/>
+              </a:ext>
+            </a:extLst>
+          </p:cNvPr>
+          <p:cNvSpPr/>
+          <p:nvPr/>
+        </p:nvSpPr>
+        <p:spPr>
+          <a:xfrm>
+            <a:off x="1069181" y="1959007"/>
+            <a:ext cx="9789542" cy="3747201"/>
+          </a:xfrm>
+          <a:prstGeom prst="roundRect">
+            <a:avLst>
+              <a:gd name="adj" fmla="val 3305"/>
+            </a:avLst>
+          </a:prstGeom>
+          <a:noFill/>
+          <a:ln w="28575">
+            <a:solidFill>
+              <a:schemeClr val="bg2"/>
+            </a:solidFill>
+          </a:ln>
+        </p:spPr>
+        <p:style>
+          <a:lnRef idx="2">
+            <a:schemeClr val="accent1">
+              <a:shade val="50000"/>
+            </a:schemeClr>
+          </a:lnRef>
+          <a:fillRef idx="1">
+            <a:schemeClr val="accent1"/>
+          </a:fillRef>
+          <a:effectRef idx="0">
+            <a:schemeClr val="accent1"/>
+          </a:effectRef>
+          <a:fontRef idx="minor">
+            <a:schemeClr val="lt1"/>
+          </a:fontRef>
+        </p:style>
+        <p:txBody>
+          <a:bodyPr rtlCol="0" anchor="ctr"/>
+          <a:lstStyle/>
+          <a:p>
+            <a:pPr algn="ctr"/>
+            <a:endParaRPr lang="ko-KR" altLang="en-US"/>
+          </a:p>
+        </p:txBody>
+      </p:sp>
+    </p:spTree>
+    <p:extLst>
+      <p:ext uri="{BB962C8B-B14F-4D97-AF65-F5344CB8AC3E}">
+        <p14:creationId xmlns:p14="http://schemas.microsoft.com/office/powerpoint/2010/main" val="3564488074"/>
+      </p:ext>
+    </p:extLst>
+  </p:cSld>
+  <p:clrMapOvr>
+    <a:masterClrMapping/>
+  </p:clrMapOvr>
+</p:sld>
+</file>
+
+<file path=ppt/slides/slide3.xml><?xml version="1.0" encoding="utf-8"?>
+<p:sld xmlns:a="http://schemas.openxmlformats.org/drawingml/2006/main" xmlns:r="http://schemas.openxmlformats.org/officeDocument/2006/relationships" xmlns:p="http://schemas.openxmlformats.org/presentationml/2006/main">
+  <p:cSld>
+    <p:spTree>
+      <p:nvGrpSpPr>
+        <p:cNvPr id="1" name=""/>
+        <p:cNvGrpSpPr/>
+        <p:nvPr/>
+      </p:nvGrpSpPr>
+      <p:grpSpPr>
+        <a:xfrm>
+          <a:off x="0" y="0"/>
+          <a:ext cx="0" cy="0"/>
+          <a:chOff x="0" y="0"/>
+          <a:chExt cx="0" cy="0"/>
+        </a:xfrm>
+      </p:grpSpPr>
+      <p:sp>
+        <p:nvSpPr>
+          <p:cNvPr id="4" name="제목 3">
+            <a:extLst>
+              <a:ext uri="{FF2B5EF4-FFF2-40B4-BE49-F238E27FC236}">
+                <a16:creationId xmlns:a16="http://schemas.microsoft.com/office/drawing/2014/main" id="{80F83AF7-673C-48EE-88AA-5231C3FDE449}"/>
+              </a:ext>
+            </a:extLst>
+          </p:cNvPr>
+          <p:cNvSpPr>
+            <a:spLocks noGrp="1"/>
+          </p:cNvSpPr>
+          <p:nvPr>
+            <p:ph type="title"/>
+          </p:nvPr>
+        </p:nvSpPr>
+        <p:spPr/>
+        <p:txBody>
+          <a:bodyPr/>
+          <a:lstStyle/>
+          <a:p>
+            <a:r>
+              <a:rPr lang="ko-KR" altLang="en-US" dirty="0"/>
+              <a:t>데이터의 주요 속성</a:t>
+            </a:r>
+          </a:p>
+        </p:txBody>
+      </p:sp>
+      <p:sp>
+        <p:nvSpPr>
+          <p:cNvPr id="5" name="텍스트 개체 틀 4">
+            <a:extLst>
+              <a:ext uri="{FF2B5EF4-FFF2-40B4-BE49-F238E27FC236}">
+                <a16:creationId xmlns:a16="http://schemas.microsoft.com/office/drawing/2014/main" id="{03232471-C71E-4213-BADC-438102C588B6}"/>
+              </a:ext>
+            </a:extLst>
+          </p:cNvPr>
+          <p:cNvSpPr>
+            <a:spLocks noGrp="1"/>
+          </p:cNvSpPr>
+          <p:nvPr>
+            <p:ph type="body" sz="quarter" idx="10"/>
+          </p:nvPr>
+        </p:nvSpPr>
+        <p:spPr/>
+        <p:txBody>
+          <a:bodyPr/>
+          <a:lstStyle/>
+          <a:p>
+            <a:r>
+              <a:rPr lang="en-US" altLang="ko-KR" dirty="0"/>
+              <a:t>02</a:t>
+            </a:r>
+            <a:endParaRPr lang="ko-KR" altLang="en-US" dirty="0"/>
+          </a:p>
+        </p:txBody>
+      </p:sp>
+      <p:sp>
+        <p:nvSpPr>
+          <p:cNvPr id="6" name="내용 개체 틀 5">
+            <a:extLst>
+              <a:ext uri="{FF2B5EF4-FFF2-40B4-BE49-F238E27FC236}">
+                <a16:creationId xmlns:a16="http://schemas.microsoft.com/office/drawing/2014/main" id="{D70D8497-63ED-458B-83CC-75B715CFA001}"/>
+              </a:ext>
+            </a:extLst>
+          </p:cNvPr>
+          <p:cNvSpPr>
+            <a:spLocks noGrp="1"/>
+          </p:cNvSpPr>
+          <p:nvPr>
+            <p:ph sz="quarter" idx="11"/>
+          </p:nvPr>
+        </p:nvSpPr>
+        <p:spPr/>
+        <p:txBody>
+          <a:bodyPr/>
+          <a:lstStyle/>
+          <a:p>
+            <a:r>
+              <a:rPr lang="ko-KR" altLang="en-US" dirty="0"/>
+              <a:t>데이터의 기본</a:t>
+            </a:r>
+          </a:p>
+        </p:txBody>
+      </p:sp>
+      <p:sp>
+        <p:nvSpPr>
+          <p:cNvPr id="7" name="텍스트 개체 틀 6">
+            <a:extLst>
+              <a:ext uri="{FF2B5EF4-FFF2-40B4-BE49-F238E27FC236}">
+                <a16:creationId xmlns:a16="http://schemas.microsoft.com/office/drawing/2014/main" id="{0A22EB7E-10EB-4AB2-A4B6-7E7E9BFBC96B}"/>
+              </a:ext>
+            </a:extLst>
+          </p:cNvPr>
+          <p:cNvSpPr>
+            <a:spLocks noGrp="1"/>
+          </p:cNvSpPr>
+          <p:nvPr>
+            <p:ph type="body" sz="quarter" idx="12"/>
+          </p:nvPr>
+        </p:nvSpPr>
+        <p:spPr/>
+        <p:txBody>
+          <a:bodyPr/>
+          <a:lstStyle/>
+          <a:p>
+            <a:r>
+              <a:rPr lang="ko-KR" altLang="en-US" dirty="0"/>
+              <a:t>데이터는 유형과 길이</a:t>
+            </a:r>
+            <a:r>
+              <a:rPr lang="en-US" altLang="ko-KR" dirty="0"/>
+              <a:t>(</a:t>
+            </a:r>
+            <a:r>
+              <a:rPr lang="ko-KR" altLang="en-US" dirty="0"/>
+              <a:t>개수</a:t>
+            </a:r>
+            <a:r>
+              <a:rPr lang="en-US" altLang="ko-KR" dirty="0"/>
+              <a:t>)</a:t>
+            </a:r>
+            <a:r>
+              <a:rPr lang="ko-KR" altLang="en-US" dirty="0"/>
+              <a:t>를 가짐</a:t>
+            </a:r>
+          </a:p>
+        </p:txBody>
+      </p:sp>
+      <p:sp>
+        <p:nvSpPr>
+          <p:cNvPr id="3" name="Rectangle 2">
+            <a:extLst>
+              <a:ext uri="{FF2B5EF4-FFF2-40B4-BE49-F238E27FC236}">
+                <a16:creationId xmlns:a16="http://schemas.microsoft.com/office/drawing/2014/main" id="{B55457CF-3BA3-4DB5-B483-F62A5132353E}"/>
+              </a:ext>
+            </a:extLst>
+          </p:cNvPr>
+          <p:cNvSpPr>
+            <a:spLocks noChangeArrowheads="1"/>
+          </p:cNvSpPr>
+          <p:nvPr/>
+        </p:nvSpPr>
+        <p:spPr bwMode="auto">
+          <a:xfrm>
+            <a:off x="1169042" y="1799796"/>
+            <a:ext cx="5333358" cy="2650284"/>
+          </a:xfrm>
+          <a:prstGeom prst="rect">
+            <a:avLst/>
+          </a:prstGeom>
+          <a:solidFill>
+            <a:srgbClr val="F7F7F7"/>
+          </a:solidFill>
+          <a:ln>
+            <a:noFill/>
+          </a:ln>
+          <a:effectLst/>
+          <a:extLst>
+            <a:ext uri="{91240B29-F687-4F45-9708-019B960494DF}">
+              <a14:hiddenLine xmlns:a14="http://schemas.microsoft.com/office/drawing/2010/main" w="9525">
+                <a:solidFill>
+                  <a:schemeClr val="tx1"/>
+                </a:solidFill>
+                <a:miter lim="800000"/>
+                <a:headEnd/>
+                <a:tailEnd/>
+              </a14:hiddenLine>
+            </a:ext>
+            <a:ext uri="{AF507438-7753-43E0-B8FC-AC1667EBCBE1}">
+              <a14:hiddenEffects xmlns:a14="http://schemas.microsoft.com/office/drawing/2010/main">
+                <a:effectLst>
+                  <a:outerShdw dist="35921" dir="2700000" algn="ctr" rotWithShape="0">
+                    <a:schemeClr val="bg2"/>
+                  </a:outerShdw>
+                </a:effectLst>
+              </a14:hiddenEffects>
+            </a:ext>
+          </a:extLst>
+        </p:spPr>
+        <p:txBody>
+          <a:bodyPr vert="horz" wrap="square" lIns="144000" tIns="0" rIns="0" bIns="0" numCol="1" anchor="ctr" anchorCtr="0" compatLnSpc="1">
+            <a:prstTxWarp prst="textNoShape">
+              <a:avLst/>
+            </a:prstTxWarp>
+            <a:normAutofit/>
+          </a:bodyPr>
+          <a:lstStyle/>
+          <a:p>
+            <a:pPr marL="0" marR="0" lvl="0" indent="0" algn="l" defTabSz="914400" rtl="0" eaLnBrk="0" fontAlgn="base" latinLnBrk="0" hangingPunct="0">
+              <a:lnSpc>
+                <a:spcPct val="100000"/>
+              </a:lnSpc>
+              <a:spcBef>
+                <a:spcPct val="0"/>
+              </a:spcBef>
+              <a:spcAft>
+                <a:spcPct val="0"/>
+              </a:spcAft>
+              <a:buClrTx/>
+              <a:buSzTx/>
+              <a:buFontTx/>
+              <a:buNone/>
+              <a:tabLst/>
+            </a:pPr>
+            <a:r>
+              <a:rPr kumimoji="0" lang="ko-KR" altLang="ko-KR" b="1" i="0" u="none" strike="noStrike" cap="none" normalizeH="0" baseline="0" dirty="0" err="1">
+                <a:ln>
+                  <a:noFill/>
+                </a:ln>
+                <a:solidFill>
+                  <a:srgbClr val="007020"/>
+                </a:solidFill>
+                <a:effectLst/>
+                <a:latin typeface="Consolas" panose="020B0609020204030204" pitchFamily="49" charset="0"/>
+              </a:rPr>
+              <a:t>typeof</a:t>
+            </a:r>
+            <a:r>
+              <a:rPr kumimoji="0" lang="ko-KR" altLang="ko-KR" b="0" i="0" u="none" strike="noStrike" cap="none" normalizeH="0" baseline="0" dirty="0">
+                <a:ln>
+                  <a:noFill/>
+                </a:ln>
+                <a:solidFill>
+                  <a:srgbClr val="333333"/>
+                </a:solidFill>
+                <a:effectLst/>
+                <a:latin typeface="Consolas" panose="020B0609020204030204" pitchFamily="49" charset="0"/>
+              </a:rPr>
+              <a:t>(</a:t>
+            </a:r>
+            <a:r>
+              <a:rPr kumimoji="0" lang="ko-KR" altLang="ko-KR" b="0" i="0" u="none" strike="noStrike" cap="none" normalizeH="0" baseline="0" dirty="0" err="1">
+                <a:ln>
+                  <a:noFill/>
+                </a:ln>
+                <a:solidFill>
+                  <a:srgbClr val="333333"/>
+                </a:solidFill>
+                <a:effectLst/>
+                <a:latin typeface="Consolas" panose="020B0609020204030204" pitchFamily="49" charset="0"/>
+              </a:rPr>
+              <a:t>letters</a:t>
+            </a:r>
+            <a:r>
+              <a:rPr kumimoji="0" lang="ko-KR" altLang="ko-KR" b="0" i="0" u="none" strike="noStrike" cap="none" normalizeH="0" baseline="0" dirty="0">
+                <a:ln>
+                  <a:noFill/>
+                </a:ln>
+                <a:solidFill>
+                  <a:srgbClr val="333333"/>
+                </a:solidFill>
+                <a:effectLst/>
+                <a:latin typeface="Consolas" panose="020B0609020204030204" pitchFamily="49" charset="0"/>
+              </a:rPr>
+              <a:t>) </a:t>
+            </a:r>
+            <a:endParaRPr kumimoji="0" lang="en-US" altLang="ko-KR" b="0" i="0" u="none" strike="noStrike" cap="none" normalizeH="0" baseline="0" dirty="0">
+              <a:ln>
+                <a:noFill/>
+              </a:ln>
+              <a:solidFill>
+                <a:srgbClr val="333333"/>
+              </a:solidFill>
+              <a:effectLst/>
+              <a:latin typeface="Consolas" panose="020B0609020204030204" pitchFamily="49" charset="0"/>
+            </a:endParaRPr>
+          </a:p>
+          <a:p>
+            <a:pPr marL="0" marR="0" lvl="0" indent="0" algn="l" defTabSz="914400" rtl="0" eaLnBrk="0" fontAlgn="base" latinLnBrk="0" hangingPunct="0">
+              <a:lnSpc>
+                <a:spcPct val="100000"/>
+              </a:lnSpc>
+              <a:spcBef>
+                <a:spcPct val="0"/>
+              </a:spcBef>
+              <a:spcAft>
+                <a:spcPct val="0"/>
+              </a:spcAft>
+              <a:buClrTx/>
+              <a:buSzTx/>
+              <a:buFontTx/>
+              <a:buNone/>
+              <a:tabLst/>
+            </a:pPr>
+            <a:r>
+              <a:rPr kumimoji="0" lang="ko-KR" altLang="ko-KR" b="0" i="1" u="none" strike="noStrike" cap="none" normalizeH="0" baseline="0" dirty="0">
+                <a:ln>
+                  <a:noFill/>
+                </a:ln>
+                <a:solidFill>
+                  <a:srgbClr val="60A0B0"/>
+                </a:solidFill>
+                <a:effectLst/>
+                <a:latin typeface="Consolas" panose="020B0609020204030204" pitchFamily="49" charset="0"/>
+              </a:rPr>
+              <a:t>#&gt; [1] "</a:t>
+            </a:r>
+            <a:r>
+              <a:rPr kumimoji="0" lang="ko-KR" altLang="ko-KR" b="0" i="1" u="none" strike="noStrike" cap="none" normalizeH="0" baseline="0" dirty="0" err="1">
+                <a:ln>
+                  <a:noFill/>
+                </a:ln>
+                <a:solidFill>
+                  <a:srgbClr val="60A0B0"/>
+                </a:solidFill>
+                <a:effectLst/>
+                <a:latin typeface="Consolas" panose="020B0609020204030204" pitchFamily="49" charset="0"/>
+              </a:rPr>
+              <a:t>character</a:t>
+            </a:r>
+            <a:r>
+              <a:rPr kumimoji="0" lang="ko-KR" altLang="ko-KR" b="0" i="1" u="none" strike="noStrike" cap="none" normalizeH="0" baseline="0" dirty="0">
+                <a:ln>
+                  <a:noFill/>
+                </a:ln>
+                <a:solidFill>
+                  <a:srgbClr val="60A0B0"/>
+                </a:solidFill>
+                <a:effectLst/>
+                <a:latin typeface="Consolas" panose="020B0609020204030204" pitchFamily="49" charset="0"/>
+              </a:rPr>
+              <a:t>"</a:t>
+            </a:r>
+            <a:r>
+              <a:rPr kumimoji="0" lang="ko-KR" altLang="ko-KR" b="0" i="0" u="none" strike="noStrike" cap="none" normalizeH="0" baseline="0" dirty="0">
+                <a:ln>
+                  <a:noFill/>
+                </a:ln>
+                <a:solidFill>
+                  <a:srgbClr val="333333"/>
+                </a:solidFill>
+                <a:effectLst/>
+                <a:latin typeface="Consolas" panose="020B0609020204030204" pitchFamily="49" charset="0"/>
+              </a:rPr>
+              <a:t> </a:t>
+            </a:r>
+            <a:endParaRPr kumimoji="0" lang="en-US" altLang="ko-KR" b="0" i="0" u="none" strike="noStrike" cap="none" normalizeH="0" baseline="0" dirty="0">
+              <a:ln>
+                <a:noFill/>
+              </a:ln>
+              <a:solidFill>
+                <a:srgbClr val="333333"/>
+              </a:solidFill>
+              <a:effectLst/>
+              <a:latin typeface="Consolas" panose="020B0609020204030204" pitchFamily="49" charset="0"/>
+            </a:endParaRPr>
+          </a:p>
+          <a:p>
+            <a:pPr marL="0" marR="0" lvl="0" indent="0" algn="l" defTabSz="914400" rtl="0" eaLnBrk="0" fontAlgn="base" latinLnBrk="0" hangingPunct="0">
+              <a:lnSpc>
+                <a:spcPct val="100000"/>
+              </a:lnSpc>
+              <a:spcBef>
+                <a:spcPct val="0"/>
+              </a:spcBef>
+              <a:spcAft>
+                <a:spcPct val="0"/>
+              </a:spcAft>
+              <a:buClrTx/>
+              <a:buSzTx/>
+              <a:buFontTx/>
+              <a:buNone/>
+              <a:tabLst/>
+            </a:pPr>
+            <a:r>
+              <a:rPr kumimoji="0" lang="ko-KR" altLang="ko-KR" b="1" i="0" u="none" strike="noStrike" cap="none" normalizeH="0" baseline="0" dirty="0" err="1">
+                <a:ln>
+                  <a:noFill/>
+                </a:ln>
+                <a:solidFill>
+                  <a:srgbClr val="007020"/>
+                </a:solidFill>
+                <a:effectLst/>
+                <a:latin typeface="Consolas" panose="020B0609020204030204" pitchFamily="49" charset="0"/>
+              </a:rPr>
+              <a:t>typeof</a:t>
+            </a:r>
+            <a:r>
+              <a:rPr kumimoji="0" lang="ko-KR" altLang="ko-KR" b="0" i="0" u="none" strike="noStrike" cap="none" normalizeH="0" baseline="0" dirty="0">
+                <a:ln>
+                  <a:noFill/>
+                </a:ln>
+                <a:solidFill>
+                  <a:srgbClr val="333333"/>
+                </a:solidFill>
+                <a:effectLst/>
+                <a:latin typeface="Consolas" panose="020B0609020204030204" pitchFamily="49" charset="0"/>
+              </a:rPr>
+              <a:t>(</a:t>
+            </a:r>
+            <a:r>
+              <a:rPr kumimoji="0" lang="ko-KR" altLang="ko-KR" b="0" i="0" u="none" strike="noStrike" cap="none" normalizeH="0" baseline="0" dirty="0">
+                <a:ln>
+                  <a:noFill/>
+                </a:ln>
+                <a:solidFill>
+                  <a:srgbClr val="40A070"/>
+                </a:solidFill>
+                <a:effectLst/>
+                <a:latin typeface="Consolas" panose="020B0609020204030204" pitchFamily="49" charset="0"/>
+              </a:rPr>
+              <a:t>1</a:t>
+            </a:r>
+            <a:r>
+              <a:rPr kumimoji="0" lang="ko-KR" altLang="ko-KR" b="0" i="0" u="none" strike="noStrike" cap="none" normalizeH="0" baseline="0" dirty="0">
+                <a:ln>
+                  <a:noFill/>
+                </a:ln>
+                <a:solidFill>
+                  <a:srgbClr val="666666"/>
+                </a:solidFill>
+                <a:effectLst/>
+                <a:latin typeface="Consolas" panose="020B0609020204030204" pitchFamily="49" charset="0"/>
+              </a:rPr>
+              <a:t>:</a:t>
+            </a:r>
+            <a:r>
+              <a:rPr kumimoji="0" lang="ko-KR" altLang="ko-KR" b="0" i="0" u="none" strike="noStrike" cap="none" normalizeH="0" baseline="0" dirty="0">
+                <a:ln>
+                  <a:noFill/>
+                </a:ln>
+                <a:solidFill>
+                  <a:srgbClr val="40A070"/>
+                </a:solidFill>
+                <a:effectLst/>
+                <a:latin typeface="Consolas" panose="020B0609020204030204" pitchFamily="49" charset="0"/>
+              </a:rPr>
+              <a:t>10</a:t>
+            </a:r>
+            <a:r>
+              <a:rPr kumimoji="0" lang="ko-KR" altLang="ko-KR" b="0" i="0" u="none" strike="noStrike" cap="none" normalizeH="0" baseline="0" dirty="0">
+                <a:ln>
+                  <a:noFill/>
+                </a:ln>
+                <a:solidFill>
+                  <a:srgbClr val="333333"/>
+                </a:solidFill>
+                <a:effectLst/>
+                <a:latin typeface="Consolas" panose="020B0609020204030204" pitchFamily="49" charset="0"/>
+              </a:rPr>
+              <a:t>) </a:t>
+            </a:r>
+            <a:endParaRPr kumimoji="0" lang="en-US" altLang="ko-KR" b="0" i="0" u="none" strike="noStrike" cap="none" normalizeH="0" baseline="0" dirty="0">
+              <a:ln>
+                <a:noFill/>
+              </a:ln>
+              <a:solidFill>
+                <a:srgbClr val="333333"/>
+              </a:solidFill>
+              <a:effectLst/>
+              <a:latin typeface="Consolas" panose="020B0609020204030204" pitchFamily="49" charset="0"/>
+            </a:endParaRPr>
+          </a:p>
+          <a:p>
+            <a:pPr marL="0" marR="0" lvl="0" indent="0" algn="l" defTabSz="914400" rtl="0" eaLnBrk="0" fontAlgn="base" latinLnBrk="0" hangingPunct="0">
+              <a:lnSpc>
+                <a:spcPct val="100000"/>
+              </a:lnSpc>
+              <a:spcBef>
+                <a:spcPct val="0"/>
+              </a:spcBef>
+              <a:spcAft>
+                <a:spcPct val="0"/>
+              </a:spcAft>
+              <a:buClrTx/>
+              <a:buSzTx/>
+              <a:buFontTx/>
+              <a:buNone/>
+              <a:tabLst/>
+            </a:pPr>
+            <a:r>
+              <a:rPr kumimoji="0" lang="ko-KR" altLang="ko-KR" b="0" i="1" u="none" strike="noStrike" cap="none" normalizeH="0" baseline="0" dirty="0">
+                <a:ln>
+                  <a:noFill/>
+                </a:ln>
+                <a:solidFill>
+                  <a:srgbClr val="60A0B0"/>
+                </a:solidFill>
+                <a:effectLst/>
+                <a:latin typeface="Consolas" panose="020B0609020204030204" pitchFamily="49" charset="0"/>
+              </a:rPr>
+              <a:t>#&gt; [1] "</a:t>
+            </a:r>
+            <a:r>
+              <a:rPr kumimoji="0" lang="ko-KR" altLang="ko-KR" b="0" i="1" u="none" strike="noStrike" cap="none" normalizeH="0" baseline="0" dirty="0" err="1">
+                <a:ln>
+                  <a:noFill/>
+                </a:ln>
+                <a:solidFill>
+                  <a:srgbClr val="60A0B0"/>
+                </a:solidFill>
+                <a:effectLst/>
+                <a:latin typeface="Consolas" panose="020B0609020204030204" pitchFamily="49" charset="0"/>
+              </a:rPr>
+              <a:t>integer</a:t>
+            </a:r>
+            <a:r>
+              <a:rPr kumimoji="0" lang="ko-KR" altLang="en-US" b="0" i="1" u="none" strike="noStrike" cap="none" normalizeH="0" baseline="0" dirty="0">
+                <a:ln>
+                  <a:noFill/>
+                </a:ln>
+                <a:solidFill>
+                  <a:srgbClr val="60A0B0"/>
+                </a:solidFill>
+                <a:effectLst/>
+                <a:latin typeface="Consolas" panose="020B0609020204030204" pitchFamily="49" charset="0"/>
+              </a:rPr>
+              <a:t>“</a:t>
+            </a:r>
+            <a:endParaRPr kumimoji="0" lang="en-US" altLang="ko-KR" b="0" i="1" u="none" strike="noStrike" cap="none" normalizeH="0" baseline="0" dirty="0">
+              <a:ln>
+                <a:noFill/>
+              </a:ln>
+              <a:solidFill>
+                <a:srgbClr val="60A0B0"/>
+              </a:solidFill>
+              <a:effectLst/>
+              <a:latin typeface="Consolas" panose="020B0609020204030204" pitchFamily="49" charset="0"/>
+            </a:endParaRPr>
+          </a:p>
+          <a:p>
+            <a:pPr marL="0" marR="0" lvl="0" indent="0" algn="l" defTabSz="914400" rtl="0" eaLnBrk="0" fontAlgn="base" latinLnBrk="0" hangingPunct="0">
+              <a:lnSpc>
+                <a:spcPct val="100000"/>
+              </a:lnSpc>
+              <a:spcBef>
+                <a:spcPct val="0"/>
+              </a:spcBef>
+              <a:spcAft>
+                <a:spcPct val="0"/>
+              </a:spcAft>
+              <a:buClrTx/>
+              <a:buSzTx/>
+              <a:buFontTx/>
+              <a:buNone/>
+              <a:tabLst/>
+            </a:pPr>
+            <a:endParaRPr lang="en-US" altLang="ko-KR" i="1" dirty="0">
+              <a:solidFill>
+                <a:srgbClr val="60A0B0"/>
+              </a:solidFill>
+              <a:latin typeface="Consolas" panose="020B0609020204030204" pitchFamily="49" charset="0"/>
+            </a:endParaRPr>
+          </a:p>
+          <a:p>
+            <a:pPr eaLnBrk="0" fontAlgn="base" latinLnBrk="0" hangingPunct="0">
+              <a:spcBef>
+                <a:spcPct val="0"/>
+              </a:spcBef>
+              <a:spcAft>
+                <a:spcPct val="0"/>
+              </a:spcAft>
+            </a:pPr>
+            <a:r>
+              <a:rPr kumimoji="0" lang="ko-KR" altLang="ko-KR" b="0" i="0" u="none" strike="noStrike" cap="none" normalizeH="0" baseline="0" dirty="0">
+                <a:ln>
+                  <a:noFill/>
+                </a:ln>
+                <a:solidFill>
+                  <a:schemeClr val="tx1"/>
+                </a:solidFill>
+                <a:effectLst/>
+              </a:rPr>
+              <a:t> </a:t>
+            </a:r>
+            <a:r>
+              <a:rPr lang="ko-KR" altLang="ko-KR" dirty="0" err="1">
+                <a:solidFill>
+                  <a:srgbClr val="333333"/>
+                </a:solidFill>
+                <a:latin typeface="Consolas" panose="020B0609020204030204" pitchFamily="49" charset="0"/>
+              </a:rPr>
+              <a:t>x</a:t>
+            </a:r>
+            <a:r>
+              <a:rPr lang="ko-KR" altLang="ko-KR" dirty="0">
+                <a:solidFill>
+                  <a:srgbClr val="333333"/>
+                </a:solidFill>
+                <a:latin typeface="Consolas" panose="020B0609020204030204" pitchFamily="49" charset="0"/>
+              </a:rPr>
+              <a:t> &lt;-</a:t>
+            </a:r>
+            <a:r>
+              <a:rPr lang="ko-KR" altLang="ko-KR" dirty="0">
+                <a:solidFill>
+                  <a:srgbClr val="4070A0"/>
+                </a:solidFill>
+                <a:latin typeface="Consolas" panose="020B0609020204030204" pitchFamily="49" charset="0"/>
+              </a:rPr>
+              <a:t> </a:t>
+            </a:r>
+            <a:r>
+              <a:rPr lang="ko-KR" altLang="ko-KR" b="1" dirty="0" err="1">
+                <a:solidFill>
+                  <a:srgbClr val="007020"/>
+                </a:solidFill>
+                <a:latin typeface="Consolas" panose="020B0609020204030204" pitchFamily="49" charset="0"/>
+              </a:rPr>
+              <a:t>list</a:t>
+            </a:r>
+            <a:r>
+              <a:rPr lang="ko-KR" altLang="ko-KR" dirty="0">
+                <a:solidFill>
+                  <a:srgbClr val="333333"/>
+                </a:solidFill>
+                <a:latin typeface="Consolas" panose="020B0609020204030204" pitchFamily="49" charset="0"/>
+              </a:rPr>
+              <a:t>(</a:t>
+            </a:r>
+            <a:r>
+              <a:rPr lang="ko-KR" altLang="ko-KR" dirty="0">
+                <a:solidFill>
+                  <a:srgbClr val="4070A0"/>
+                </a:solidFill>
+                <a:latin typeface="Consolas" panose="020B0609020204030204" pitchFamily="49" charset="0"/>
+              </a:rPr>
+              <a:t>"</a:t>
+            </a:r>
+            <a:r>
+              <a:rPr lang="ko-KR" altLang="ko-KR" dirty="0" err="1">
+                <a:solidFill>
+                  <a:srgbClr val="4070A0"/>
+                </a:solidFill>
+                <a:latin typeface="Consolas" panose="020B0609020204030204" pitchFamily="49" charset="0"/>
+              </a:rPr>
+              <a:t>a</a:t>
+            </a:r>
+            <a:r>
+              <a:rPr lang="ko-KR" altLang="ko-KR" dirty="0">
+                <a:solidFill>
+                  <a:srgbClr val="4070A0"/>
+                </a:solidFill>
+                <a:latin typeface="Consolas" panose="020B0609020204030204" pitchFamily="49" charset="0"/>
+              </a:rPr>
+              <a:t>"</a:t>
+            </a:r>
+            <a:r>
+              <a:rPr lang="ko-KR" altLang="ko-KR" dirty="0">
+                <a:solidFill>
+                  <a:srgbClr val="333333"/>
+                </a:solidFill>
+                <a:latin typeface="Consolas" panose="020B0609020204030204" pitchFamily="49" charset="0"/>
+              </a:rPr>
+              <a:t>, </a:t>
+            </a:r>
+            <a:r>
+              <a:rPr lang="ko-KR" altLang="ko-KR" dirty="0">
+                <a:solidFill>
+                  <a:srgbClr val="4070A0"/>
+                </a:solidFill>
+                <a:latin typeface="Consolas" panose="020B0609020204030204" pitchFamily="49" charset="0"/>
+              </a:rPr>
+              <a:t>"</a:t>
+            </a:r>
+            <a:r>
+              <a:rPr lang="ko-KR" altLang="ko-KR" dirty="0" err="1">
+                <a:solidFill>
+                  <a:srgbClr val="4070A0"/>
+                </a:solidFill>
+                <a:latin typeface="Consolas" panose="020B0609020204030204" pitchFamily="49" charset="0"/>
+              </a:rPr>
+              <a:t>b</a:t>
+            </a:r>
+            <a:r>
+              <a:rPr lang="ko-KR" altLang="ko-KR" dirty="0">
+                <a:solidFill>
+                  <a:srgbClr val="4070A0"/>
+                </a:solidFill>
+                <a:latin typeface="Consolas" panose="020B0609020204030204" pitchFamily="49" charset="0"/>
+              </a:rPr>
+              <a:t>"</a:t>
+            </a:r>
+            <a:r>
+              <a:rPr lang="ko-KR" altLang="ko-KR" dirty="0">
+                <a:solidFill>
+                  <a:srgbClr val="333333"/>
+                </a:solidFill>
+                <a:latin typeface="Consolas" panose="020B0609020204030204" pitchFamily="49" charset="0"/>
+              </a:rPr>
+              <a:t>, </a:t>
+            </a:r>
+            <a:r>
+              <a:rPr lang="ko-KR" altLang="ko-KR" dirty="0">
+                <a:solidFill>
+                  <a:srgbClr val="40A070"/>
+                </a:solidFill>
+                <a:latin typeface="Consolas" panose="020B0609020204030204" pitchFamily="49" charset="0"/>
+              </a:rPr>
+              <a:t>1</a:t>
+            </a:r>
+            <a:r>
+              <a:rPr lang="ko-KR" altLang="ko-KR" dirty="0">
+                <a:solidFill>
+                  <a:srgbClr val="666666"/>
+                </a:solidFill>
+                <a:latin typeface="Consolas" panose="020B0609020204030204" pitchFamily="49" charset="0"/>
+              </a:rPr>
+              <a:t>:</a:t>
+            </a:r>
+            <a:r>
+              <a:rPr lang="ko-KR" altLang="ko-KR" dirty="0">
+                <a:solidFill>
+                  <a:srgbClr val="40A070"/>
+                </a:solidFill>
+                <a:latin typeface="Consolas" panose="020B0609020204030204" pitchFamily="49" charset="0"/>
+              </a:rPr>
+              <a:t>10</a:t>
+            </a:r>
+            <a:r>
+              <a:rPr lang="ko-KR" altLang="ko-KR" dirty="0">
+                <a:solidFill>
+                  <a:srgbClr val="333333"/>
+                </a:solidFill>
+                <a:latin typeface="Consolas" panose="020B0609020204030204" pitchFamily="49" charset="0"/>
+              </a:rPr>
+              <a:t>) </a:t>
+            </a:r>
+            <a:endParaRPr lang="en-US" altLang="ko-KR" dirty="0">
+              <a:solidFill>
+                <a:srgbClr val="333333"/>
+              </a:solidFill>
+              <a:latin typeface="Consolas" panose="020B0609020204030204" pitchFamily="49" charset="0"/>
+            </a:endParaRPr>
+          </a:p>
+          <a:p>
+            <a:pPr eaLnBrk="0" fontAlgn="base" latinLnBrk="0" hangingPunct="0">
+              <a:spcBef>
+                <a:spcPct val="0"/>
+              </a:spcBef>
+              <a:spcAft>
+                <a:spcPct val="0"/>
+              </a:spcAft>
+            </a:pPr>
+            <a:r>
+              <a:rPr lang="ko-KR" altLang="ko-KR" b="1" dirty="0" err="1">
+                <a:solidFill>
+                  <a:srgbClr val="007020"/>
+                </a:solidFill>
+                <a:latin typeface="Consolas" panose="020B0609020204030204" pitchFamily="49" charset="0"/>
+              </a:rPr>
+              <a:t>length</a:t>
+            </a:r>
+            <a:r>
+              <a:rPr lang="ko-KR" altLang="ko-KR" dirty="0">
+                <a:solidFill>
+                  <a:srgbClr val="333333"/>
+                </a:solidFill>
+                <a:latin typeface="Consolas" panose="020B0609020204030204" pitchFamily="49" charset="0"/>
+              </a:rPr>
+              <a:t>(</a:t>
+            </a:r>
+            <a:r>
+              <a:rPr lang="ko-KR" altLang="ko-KR" dirty="0" err="1">
+                <a:solidFill>
+                  <a:srgbClr val="333333"/>
+                </a:solidFill>
+                <a:latin typeface="Consolas" panose="020B0609020204030204" pitchFamily="49" charset="0"/>
+              </a:rPr>
+              <a:t>x</a:t>
+            </a:r>
+            <a:r>
+              <a:rPr lang="ko-KR" altLang="ko-KR" dirty="0">
+                <a:solidFill>
+                  <a:srgbClr val="333333"/>
+                </a:solidFill>
+                <a:latin typeface="Consolas" panose="020B0609020204030204" pitchFamily="49" charset="0"/>
+              </a:rPr>
+              <a:t>) </a:t>
+            </a:r>
+            <a:endParaRPr lang="en-US" altLang="ko-KR" dirty="0">
+              <a:solidFill>
+                <a:srgbClr val="333333"/>
+              </a:solidFill>
+              <a:latin typeface="Consolas" panose="020B0609020204030204" pitchFamily="49" charset="0"/>
+            </a:endParaRPr>
+          </a:p>
+          <a:p>
+            <a:pPr eaLnBrk="0" fontAlgn="base" latinLnBrk="0" hangingPunct="0">
+              <a:spcBef>
+                <a:spcPct val="0"/>
+              </a:spcBef>
+              <a:spcAft>
+                <a:spcPct val="0"/>
+              </a:spcAft>
+            </a:pPr>
+            <a:r>
+              <a:rPr lang="ko-KR" altLang="ko-KR" i="1" dirty="0">
+                <a:solidFill>
+                  <a:srgbClr val="60A0B0"/>
+                </a:solidFill>
+                <a:latin typeface="Consolas" panose="020B0609020204030204" pitchFamily="49" charset="0"/>
+              </a:rPr>
+              <a:t>#&gt; [1] 3</a:t>
+            </a:r>
+            <a:r>
+              <a:rPr lang="ko-KR" altLang="ko-KR" dirty="0"/>
+              <a:t> </a:t>
+            </a:r>
+            <a:endParaRPr lang="ko-KR" altLang="ko-KR" dirty="0">
+              <a:latin typeface="Arial" panose="020B0604020202020204" pitchFamily="34" charset="0"/>
+            </a:endParaRPr>
+          </a:p>
+          <a:p>
+            <a:pPr marL="0" marR="0" lvl="0" indent="0" algn="l" defTabSz="914400" rtl="0" eaLnBrk="0" fontAlgn="base" latinLnBrk="0" hangingPunct="0">
+              <a:lnSpc>
+                <a:spcPct val="100000"/>
+              </a:lnSpc>
+              <a:spcBef>
+                <a:spcPct val="0"/>
+              </a:spcBef>
+              <a:spcAft>
+                <a:spcPct val="0"/>
+              </a:spcAft>
+              <a:buClrTx/>
+              <a:buSzTx/>
+              <a:buFontTx/>
+              <a:buNone/>
+              <a:tabLst/>
+            </a:pPr>
+            <a:endParaRPr kumimoji="0" lang="ko-KR" altLang="ko-KR" sz="1050" b="0" i="0" u="none" strike="noStrike" cap="none" normalizeH="0" baseline="0" dirty="0">
+              <a:ln>
+                <a:noFill/>
+              </a:ln>
+              <a:solidFill>
+                <a:schemeClr val="tx1"/>
+              </a:solidFill>
+              <a:effectLst/>
+              <a:latin typeface="Arial" panose="020B0604020202020204" pitchFamily="34" charset="0"/>
+            </a:endParaRPr>
+          </a:p>
+        </p:txBody>
+      </p:sp>
+    </p:spTree>
+    <p:extLst>
+      <p:ext uri="{BB962C8B-B14F-4D97-AF65-F5344CB8AC3E}">
+        <p14:creationId xmlns:p14="http://schemas.microsoft.com/office/powerpoint/2010/main" val="2356720233"/>
+      </p:ext>
+    </p:extLst>
+  </p:cSld>
+  <p:clrMapOvr>
+    <a:masterClrMapping/>
+  </p:clrMapOvr>
+</p:sld>
+</file>
+
+<file path=ppt/slides/slide4.xml><?xml version="1.0" encoding="utf-8"?>
+<p:sld xmlns:a="http://schemas.openxmlformats.org/drawingml/2006/main" xmlns:r="http://schemas.openxmlformats.org/officeDocument/2006/relationships" xmlns:p="http://schemas.openxmlformats.org/presentationml/2006/main">
+  <p:cSld>
+    <p:spTree>
+      <p:nvGrpSpPr>
+        <p:cNvPr id="1" name=""/>
+        <p:cNvGrpSpPr/>
+        <p:nvPr/>
+      </p:nvGrpSpPr>
+      <p:grpSpPr>
+        <a:xfrm>
+          <a:off x="0" y="0"/>
+          <a:ext cx="0" cy="0"/>
+          <a:chOff x="0" y="0"/>
+          <a:chExt cx="0" cy="0"/>
+        </a:xfrm>
+      </p:grpSpPr>
+      <p:sp>
+        <p:nvSpPr>
+          <p:cNvPr id="4" name="제목 3">
+            <a:extLst>
+              <a:ext uri="{FF2B5EF4-FFF2-40B4-BE49-F238E27FC236}">
+                <a16:creationId xmlns:a16="http://schemas.microsoft.com/office/drawing/2014/main" id="{80F83AF7-673C-48EE-88AA-5231C3FDE449}"/>
+              </a:ext>
+            </a:extLst>
+          </p:cNvPr>
+          <p:cNvSpPr>
+            <a:spLocks noGrp="1"/>
+          </p:cNvSpPr>
+          <p:nvPr>
+            <p:ph type="title"/>
+          </p:nvPr>
+        </p:nvSpPr>
+        <p:spPr/>
+        <p:txBody>
+          <a:bodyPr/>
+          <a:lstStyle/>
+          <a:p>
+            <a:r>
+              <a:rPr lang="ko-KR" altLang="en-US" dirty="0"/>
+              <a:t>논리형</a:t>
+            </a:r>
+            <a:r>
+              <a:rPr lang="en-US" altLang="ko-KR" dirty="0"/>
+              <a:t>(logical)</a:t>
+            </a:r>
+            <a:endParaRPr lang="ko-KR" altLang="en-US" dirty="0"/>
+          </a:p>
+        </p:txBody>
+      </p:sp>
+      <p:sp>
+        <p:nvSpPr>
+          <p:cNvPr id="5" name="텍스트 개체 틀 4">
+            <a:extLst>
+              <a:ext uri="{FF2B5EF4-FFF2-40B4-BE49-F238E27FC236}">
+                <a16:creationId xmlns:a16="http://schemas.microsoft.com/office/drawing/2014/main" id="{03232471-C71E-4213-BADC-438102C588B6}"/>
+              </a:ext>
+            </a:extLst>
+          </p:cNvPr>
+          <p:cNvSpPr>
+            <a:spLocks noGrp="1"/>
+          </p:cNvSpPr>
+          <p:nvPr>
+            <p:ph type="body" sz="quarter" idx="10"/>
+          </p:nvPr>
+        </p:nvSpPr>
+        <p:spPr/>
+        <p:txBody>
+          <a:bodyPr/>
+          <a:lstStyle/>
+          <a:p>
+            <a:r>
+              <a:rPr lang="en-US" altLang="ko-KR" dirty="0"/>
+              <a:t>02</a:t>
+            </a:r>
+            <a:endParaRPr lang="ko-KR" altLang="en-US" dirty="0"/>
+          </a:p>
+        </p:txBody>
+      </p:sp>
+      <p:sp>
+        <p:nvSpPr>
+          <p:cNvPr id="6" name="내용 개체 틀 5">
+            <a:extLst>
+              <a:ext uri="{FF2B5EF4-FFF2-40B4-BE49-F238E27FC236}">
+                <a16:creationId xmlns:a16="http://schemas.microsoft.com/office/drawing/2014/main" id="{D70D8497-63ED-458B-83CC-75B715CFA001}"/>
+              </a:ext>
+            </a:extLst>
+          </p:cNvPr>
+          <p:cNvSpPr>
+            <a:spLocks noGrp="1"/>
+          </p:cNvSpPr>
+          <p:nvPr>
+            <p:ph sz="quarter" idx="11"/>
+          </p:nvPr>
+        </p:nvSpPr>
+        <p:spPr/>
+        <p:txBody>
+          <a:bodyPr/>
+          <a:lstStyle/>
+          <a:p>
+            <a:r>
+              <a:rPr lang="ko-KR" altLang="en-US" dirty="0"/>
+              <a:t>데이터의 기본</a:t>
+            </a:r>
+          </a:p>
+        </p:txBody>
+      </p:sp>
+      <p:sp>
+        <p:nvSpPr>
+          <p:cNvPr id="7" name="텍스트 개체 틀 6">
+            <a:extLst>
+              <a:ext uri="{FF2B5EF4-FFF2-40B4-BE49-F238E27FC236}">
+                <a16:creationId xmlns:a16="http://schemas.microsoft.com/office/drawing/2014/main" id="{0A22EB7E-10EB-4AB2-A4B6-7E7E9BFBC96B}"/>
+              </a:ext>
+            </a:extLst>
+          </p:cNvPr>
+          <p:cNvSpPr>
+            <a:spLocks noGrp="1"/>
+          </p:cNvSpPr>
+          <p:nvPr>
+            <p:ph type="body" sz="quarter" idx="12"/>
+          </p:nvPr>
+        </p:nvSpPr>
+        <p:spPr/>
+        <p:txBody>
+          <a:bodyPr/>
+          <a:lstStyle/>
+          <a:p>
+            <a:r>
+              <a:rPr lang="en-US" altLang="ko-KR" dirty="0"/>
+              <a:t>TRUE, FALSE, NA</a:t>
+            </a:r>
+            <a:r>
+              <a:rPr lang="ko-KR" altLang="en-US" dirty="0"/>
+              <a:t>로 구성</a:t>
+            </a:r>
+            <a:endParaRPr lang="en-US" altLang="ko-KR" dirty="0"/>
+          </a:p>
+        </p:txBody>
+      </p:sp>
+      <p:sp>
+        <p:nvSpPr>
+          <p:cNvPr id="8" name="내용 개체 틀 7">
+            <a:extLst>
+              <a:ext uri="{FF2B5EF4-FFF2-40B4-BE49-F238E27FC236}">
+                <a16:creationId xmlns:a16="http://schemas.microsoft.com/office/drawing/2014/main" id="{00FF7BDE-A9BF-4FDB-9E1F-6B59565676A0}"/>
+              </a:ext>
+            </a:extLst>
+          </p:cNvPr>
+          <p:cNvSpPr>
+            <a:spLocks noGrp="1"/>
+          </p:cNvSpPr>
+          <p:nvPr>
+            <p:ph sz="quarter" idx="13"/>
+          </p:nvPr>
+        </p:nvSpPr>
+        <p:spPr/>
+        <p:txBody>
+          <a:bodyPr/>
+          <a:lstStyle/>
+          <a:p>
+            <a:endParaRPr lang="ko-KR" altLang="en-US" dirty="0"/>
+          </a:p>
+        </p:txBody>
+      </p:sp>
+    </p:spTree>
+    <p:extLst>
+      <p:ext uri="{BB962C8B-B14F-4D97-AF65-F5344CB8AC3E}">
+        <p14:creationId xmlns:p14="http://schemas.microsoft.com/office/powerpoint/2010/main" val="1120959202"/>
+      </p:ext>
+    </p:extLst>
+  </p:cSld>
+  <p:clrMapOvr>
+    <a:masterClrMapping/>
+  </p:clrMapOvr>
+</p:sld>
+</file>
+
+<file path=ppt/slides/slide5.xml><?xml version="1.0" encoding="utf-8"?>
+<p:sld xmlns:a="http://schemas.openxmlformats.org/drawingml/2006/main" xmlns:r="http://schemas.openxmlformats.org/officeDocument/2006/relationships" xmlns:p="http://schemas.openxmlformats.org/presentationml/2006/main">
+  <p:cSld>
+    <p:spTree>
+      <p:nvGrpSpPr>
+        <p:cNvPr id="1" name=""/>
+        <p:cNvGrpSpPr/>
+        <p:nvPr/>
+      </p:nvGrpSpPr>
+      <p:grpSpPr>
+        <a:xfrm>
+          <a:off x="0" y="0"/>
+          <a:ext cx="0" cy="0"/>
+          <a:chOff x="0" y="0"/>
+          <a:chExt cx="0" cy="0"/>
+        </a:xfrm>
+      </p:grpSpPr>
+      <p:sp>
+        <p:nvSpPr>
+          <p:cNvPr id="4" name="제목 3">
+            <a:extLst>
+              <a:ext uri="{FF2B5EF4-FFF2-40B4-BE49-F238E27FC236}">
+                <a16:creationId xmlns:a16="http://schemas.microsoft.com/office/drawing/2014/main" id="{80F83AF7-673C-48EE-88AA-5231C3FDE449}"/>
+              </a:ext>
+            </a:extLst>
+          </p:cNvPr>
+          <p:cNvSpPr>
+            <a:spLocks noGrp="1"/>
+          </p:cNvSpPr>
+          <p:nvPr>
+            <p:ph type="title"/>
+          </p:nvPr>
+        </p:nvSpPr>
+        <p:spPr/>
+        <p:txBody>
+          <a:bodyPr/>
+          <a:lstStyle/>
+          <a:p>
+            <a:r>
+              <a:rPr lang="ko-KR" altLang="en-US" dirty="0"/>
+              <a:t>숫자형</a:t>
+            </a:r>
+            <a:r>
+              <a:rPr lang="en-US" altLang="ko-KR" dirty="0"/>
+              <a:t>(numeric)</a:t>
+            </a:r>
+            <a:endParaRPr lang="ko-KR" altLang="en-US" dirty="0"/>
+          </a:p>
+        </p:txBody>
+      </p:sp>
+      <p:sp>
+        <p:nvSpPr>
+          <p:cNvPr id="5" name="텍스트 개체 틀 4">
+            <a:extLst>
+              <a:ext uri="{FF2B5EF4-FFF2-40B4-BE49-F238E27FC236}">
+                <a16:creationId xmlns:a16="http://schemas.microsoft.com/office/drawing/2014/main" id="{03232471-C71E-4213-BADC-438102C588B6}"/>
+              </a:ext>
+            </a:extLst>
+          </p:cNvPr>
+          <p:cNvSpPr>
+            <a:spLocks noGrp="1"/>
+          </p:cNvSpPr>
+          <p:nvPr>
+            <p:ph type="body" sz="quarter" idx="10"/>
+          </p:nvPr>
+        </p:nvSpPr>
+        <p:spPr/>
+        <p:txBody>
+          <a:bodyPr/>
+          <a:lstStyle/>
+          <a:p>
+            <a:r>
+              <a:rPr lang="en-US" altLang="ko-KR" dirty="0"/>
+              <a:t>02</a:t>
+            </a:r>
+            <a:endParaRPr lang="ko-KR" altLang="en-US" dirty="0"/>
+          </a:p>
+        </p:txBody>
+      </p:sp>
+      <p:sp>
+        <p:nvSpPr>
+          <p:cNvPr id="6" name="내용 개체 틀 5">
+            <a:extLst>
+              <a:ext uri="{FF2B5EF4-FFF2-40B4-BE49-F238E27FC236}">
+                <a16:creationId xmlns:a16="http://schemas.microsoft.com/office/drawing/2014/main" id="{D70D8497-63ED-458B-83CC-75B715CFA001}"/>
+              </a:ext>
+            </a:extLst>
+          </p:cNvPr>
+          <p:cNvSpPr>
+            <a:spLocks noGrp="1"/>
+          </p:cNvSpPr>
+          <p:nvPr>
+            <p:ph sz="quarter" idx="11"/>
+          </p:nvPr>
+        </p:nvSpPr>
+        <p:spPr/>
+        <p:txBody>
+          <a:bodyPr/>
+          <a:lstStyle/>
+          <a:p>
+            <a:r>
+              <a:rPr lang="ko-KR" altLang="en-US" dirty="0"/>
+              <a:t>데이터의 기본</a:t>
+            </a:r>
+          </a:p>
+        </p:txBody>
+      </p:sp>
+      <p:sp>
+        <p:nvSpPr>
+          <p:cNvPr id="7" name="텍스트 개체 틀 6">
+            <a:extLst>
+              <a:ext uri="{FF2B5EF4-FFF2-40B4-BE49-F238E27FC236}">
+                <a16:creationId xmlns:a16="http://schemas.microsoft.com/office/drawing/2014/main" id="{0A22EB7E-10EB-4AB2-A4B6-7E7E9BFBC96B}"/>
+              </a:ext>
+            </a:extLst>
+          </p:cNvPr>
+          <p:cNvSpPr>
+            <a:spLocks noGrp="1"/>
+          </p:cNvSpPr>
+          <p:nvPr>
+            <p:ph type="body" sz="quarter" idx="12"/>
+          </p:nvPr>
+        </p:nvSpPr>
+        <p:spPr>
+          <a:xfrm>
+            <a:off x="682260" y="901516"/>
+            <a:ext cx="10471516" cy="2197283"/>
+          </a:xfrm>
+        </p:spPr>
+        <p:txBody>
+          <a:bodyPr/>
+          <a:lstStyle/>
+          <a:p>
+            <a:r>
+              <a:rPr lang="ko-KR" altLang="en-US" dirty="0"/>
+              <a:t>실수형</a:t>
+            </a:r>
+            <a:r>
+              <a:rPr lang="en-US" altLang="ko-KR" dirty="0"/>
+              <a:t>(double)</a:t>
+            </a:r>
+            <a:r>
+              <a:rPr lang="ko-KR" altLang="en-US" dirty="0"/>
+              <a:t>이 기본</a:t>
+            </a:r>
+            <a:endParaRPr lang="en-US" altLang="ko-KR" dirty="0"/>
+          </a:p>
+          <a:p>
+            <a:r>
+              <a:rPr lang="ko-KR" altLang="en-US" dirty="0"/>
+              <a:t>정수형</a:t>
+            </a:r>
+            <a:r>
+              <a:rPr lang="en-US" altLang="ko-KR" dirty="0"/>
+              <a:t>(integer)</a:t>
+            </a:r>
+            <a:r>
+              <a:rPr lang="ko-KR" altLang="en-US" dirty="0"/>
+              <a:t>은 숫자 뒤에 대문자 </a:t>
+            </a:r>
+            <a:r>
+              <a:rPr lang="en-US" altLang="ko-KR" dirty="0"/>
+              <a:t>`L`</a:t>
+            </a:r>
+            <a:r>
+              <a:rPr lang="ko-KR" altLang="en-US" dirty="0"/>
+              <a:t>을 붙여서 생성</a:t>
+            </a:r>
+            <a:endParaRPr lang="en-US" altLang="ko-KR" dirty="0"/>
+          </a:p>
+        </p:txBody>
+      </p:sp>
+      <p:sp>
+        <p:nvSpPr>
+          <p:cNvPr id="9" name="Rectangle 2">
+            <a:extLst>
+              <a:ext uri="{FF2B5EF4-FFF2-40B4-BE49-F238E27FC236}">
+                <a16:creationId xmlns:a16="http://schemas.microsoft.com/office/drawing/2014/main" id="{FCAAFBD1-7B44-4B4F-A9CE-04AA5577B721}"/>
+              </a:ext>
+            </a:extLst>
+          </p:cNvPr>
+          <p:cNvSpPr>
+            <a:spLocks noChangeArrowheads="1"/>
+          </p:cNvSpPr>
+          <p:nvPr/>
+        </p:nvSpPr>
+        <p:spPr bwMode="auto">
+          <a:xfrm>
+            <a:off x="1473842" y="2486307"/>
+            <a:ext cx="5333358" cy="1674924"/>
+          </a:xfrm>
+          <a:prstGeom prst="rect">
+            <a:avLst/>
+          </a:prstGeom>
+          <a:solidFill>
+            <a:srgbClr val="F7F7F7"/>
+          </a:solidFill>
+          <a:ln>
+            <a:noFill/>
+          </a:ln>
+          <a:effectLst/>
+          <a:extLst>
+            <a:ext uri="{91240B29-F687-4F45-9708-019B960494DF}">
+              <a14:hiddenLine xmlns:a14="http://schemas.microsoft.com/office/drawing/2010/main" w="9525">
+                <a:solidFill>
+                  <a:schemeClr val="tx1"/>
+                </a:solidFill>
+                <a:miter lim="800000"/>
+                <a:headEnd/>
+                <a:tailEnd/>
+              </a14:hiddenLine>
+            </a:ext>
+            <a:ext uri="{AF507438-7753-43E0-B8FC-AC1667EBCBE1}">
+              <a14:hiddenEffects xmlns:a14="http://schemas.microsoft.com/office/drawing/2010/main">
+                <a:effectLst>
+                  <a:outerShdw dist="35921" dir="2700000" algn="ctr" rotWithShape="0">
+                    <a:schemeClr val="bg2"/>
+                  </a:outerShdw>
+                </a:effectLst>
+              </a14:hiddenEffects>
+            </a:ext>
+          </a:extLst>
+        </p:spPr>
+        <p:txBody>
+          <a:bodyPr vert="horz" wrap="square" lIns="144000" tIns="0" rIns="0" bIns="0" numCol="1" anchor="ctr" anchorCtr="0" compatLnSpc="1">
+            <a:prstTxWarp prst="textNoShape">
+              <a:avLst/>
+            </a:prstTxWarp>
+            <a:normAutofit/>
+          </a:bodyPr>
+          <a:lstStyle/>
+          <a:p>
+            <a:pPr lvl="0" eaLnBrk="0" fontAlgn="base" latinLnBrk="0" hangingPunct="0">
+              <a:spcBef>
+                <a:spcPct val="0"/>
+              </a:spcBef>
+              <a:spcAft>
+                <a:spcPct val="0"/>
+              </a:spcAft>
+            </a:pPr>
+            <a:r>
+              <a:rPr kumimoji="0" lang="ko-KR" altLang="ko-KR" b="1" i="0" u="none" strike="noStrike" cap="none" normalizeH="0" baseline="0" dirty="0" err="1">
+                <a:ln>
+                  <a:noFill/>
+                </a:ln>
+                <a:solidFill>
+                  <a:srgbClr val="007020"/>
+                </a:solidFill>
+                <a:effectLst/>
+                <a:latin typeface="Consolas" panose="020B0609020204030204" pitchFamily="49" charset="0"/>
+              </a:rPr>
+              <a:t>typeof</a:t>
+            </a:r>
+            <a:r>
+              <a:rPr kumimoji="0" lang="ko-KR" altLang="ko-KR" b="0" i="0" u="none" strike="noStrike" cap="none" normalizeH="0" baseline="0" dirty="0">
+                <a:ln>
+                  <a:noFill/>
+                </a:ln>
+                <a:solidFill>
+                  <a:srgbClr val="333333"/>
+                </a:solidFill>
+                <a:effectLst/>
+                <a:latin typeface="Consolas" panose="020B0609020204030204" pitchFamily="49" charset="0"/>
+              </a:rPr>
+              <a:t>(</a:t>
+            </a:r>
+            <a:r>
+              <a:rPr lang="en-US" altLang="ko-KR" dirty="0">
+                <a:solidFill>
+                  <a:srgbClr val="40A070"/>
+                </a:solidFill>
+                <a:latin typeface="Consolas" panose="020B0609020204030204" pitchFamily="49" charset="0"/>
+              </a:rPr>
+              <a:t>1</a:t>
+            </a:r>
+            <a:r>
+              <a:rPr kumimoji="0" lang="ko-KR" altLang="ko-KR" b="0" i="0" u="none" strike="noStrike" cap="none" normalizeH="0" baseline="0" dirty="0">
+                <a:ln>
+                  <a:noFill/>
+                </a:ln>
+                <a:solidFill>
+                  <a:srgbClr val="333333"/>
+                </a:solidFill>
+                <a:effectLst/>
+                <a:latin typeface="Consolas" panose="020B0609020204030204" pitchFamily="49" charset="0"/>
+              </a:rPr>
+              <a:t>) </a:t>
+            </a:r>
+            <a:endParaRPr kumimoji="0" lang="en-US" altLang="ko-KR" b="0" i="0" u="none" strike="noStrike" cap="none" normalizeH="0" baseline="0" dirty="0">
+              <a:ln>
+                <a:noFill/>
+              </a:ln>
+              <a:solidFill>
+                <a:srgbClr val="333333"/>
+              </a:solidFill>
+              <a:effectLst/>
+              <a:latin typeface="Consolas" panose="020B0609020204030204" pitchFamily="49" charset="0"/>
+            </a:endParaRPr>
+          </a:p>
+          <a:p>
+            <a:pPr marL="0" marR="0" lvl="0" indent="0" algn="l" defTabSz="914400" rtl="0" eaLnBrk="0" fontAlgn="base" latinLnBrk="0" hangingPunct="0">
+              <a:lnSpc>
+                <a:spcPct val="100000"/>
+              </a:lnSpc>
+              <a:spcBef>
+                <a:spcPct val="0"/>
+              </a:spcBef>
+              <a:spcAft>
+                <a:spcPct val="0"/>
+              </a:spcAft>
+              <a:buClrTx/>
+              <a:buSzTx/>
+              <a:buFontTx/>
+              <a:buNone/>
+              <a:tabLst/>
+            </a:pPr>
+            <a:r>
+              <a:rPr kumimoji="0" lang="ko-KR" altLang="ko-KR" b="0" i="1" u="none" strike="noStrike" cap="none" normalizeH="0" baseline="0" dirty="0">
+                <a:ln>
+                  <a:noFill/>
+                </a:ln>
+                <a:solidFill>
+                  <a:srgbClr val="60A0B0"/>
+                </a:solidFill>
+                <a:effectLst/>
+                <a:latin typeface="Consolas" panose="020B0609020204030204" pitchFamily="49" charset="0"/>
+              </a:rPr>
+              <a:t>#&gt; [1] </a:t>
+            </a:r>
+            <a:r>
+              <a:rPr kumimoji="0" lang="ko-KR" altLang="en-US" b="0" i="1" u="none" strike="noStrike" cap="none" normalizeH="0" baseline="0" dirty="0">
+                <a:ln>
+                  <a:noFill/>
+                </a:ln>
+                <a:solidFill>
+                  <a:srgbClr val="60A0B0"/>
+                </a:solidFill>
+                <a:effectLst/>
+                <a:latin typeface="Consolas" panose="020B0609020204030204" pitchFamily="49" charset="0"/>
+              </a:rPr>
+              <a:t>“</a:t>
+            </a:r>
+            <a:r>
+              <a:rPr lang="en-US" altLang="ko-KR" i="1" dirty="0">
+                <a:solidFill>
+                  <a:srgbClr val="60A0B0"/>
+                </a:solidFill>
+                <a:latin typeface="Consolas" panose="020B0609020204030204" pitchFamily="49" charset="0"/>
+              </a:rPr>
+              <a:t>double</a:t>
+            </a:r>
+            <a:r>
+              <a:rPr kumimoji="0" lang="ko-KR" altLang="ko-KR" b="0" i="1" u="none" strike="noStrike" cap="none" normalizeH="0" baseline="0" dirty="0">
+                <a:ln>
+                  <a:noFill/>
+                </a:ln>
+                <a:solidFill>
+                  <a:srgbClr val="60A0B0"/>
+                </a:solidFill>
+                <a:effectLst/>
+                <a:latin typeface="Consolas" panose="020B0609020204030204" pitchFamily="49" charset="0"/>
+              </a:rPr>
+              <a:t>"</a:t>
+            </a:r>
+            <a:r>
+              <a:rPr kumimoji="0" lang="ko-KR" altLang="ko-KR" b="0" i="0" u="none" strike="noStrike" cap="none" normalizeH="0" baseline="0" dirty="0">
+                <a:ln>
+                  <a:noFill/>
+                </a:ln>
+                <a:solidFill>
+                  <a:srgbClr val="333333"/>
+                </a:solidFill>
+                <a:effectLst/>
+                <a:latin typeface="Consolas" panose="020B0609020204030204" pitchFamily="49" charset="0"/>
+              </a:rPr>
+              <a:t> </a:t>
+            </a:r>
+            <a:endParaRPr kumimoji="0" lang="en-US" altLang="ko-KR" b="0" i="0" u="none" strike="noStrike" cap="none" normalizeH="0" baseline="0" dirty="0">
+              <a:ln>
+                <a:noFill/>
+              </a:ln>
+              <a:solidFill>
+                <a:srgbClr val="333333"/>
+              </a:solidFill>
+              <a:effectLst/>
+              <a:latin typeface="Consolas" panose="020B0609020204030204" pitchFamily="49" charset="0"/>
+            </a:endParaRPr>
+          </a:p>
+          <a:p>
+            <a:pPr lvl="0" eaLnBrk="0" fontAlgn="base" latinLnBrk="0" hangingPunct="0">
+              <a:spcBef>
+                <a:spcPct val="0"/>
+              </a:spcBef>
+              <a:spcAft>
+                <a:spcPct val="0"/>
+              </a:spcAft>
+            </a:pPr>
+            <a:r>
+              <a:rPr kumimoji="0" lang="ko-KR" altLang="ko-KR" b="1" i="0" u="none" strike="noStrike" cap="none" normalizeH="0" baseline="0" dirty="0" err="1">
+                <a:ln>
+                  <a:noFill/>
+                </a:ln>
+                <a:solidFill>
+                  <a:srgbClr val="007020"/>
+                </a:solidFill>
+                <a:effectLst/>
+                <a:latin typeface="Consolas" panose="020B0609020204030204" pitchFamily="49" charset="0"/>
+              </a:rPr>
+              <a:t>typeof</a:t>
+            </a:r>
+            <a:r>
+              <a:rPr kumimoji="0" lang="ko-KR" altLang="ko-KR" b="0" i="0" u="none" strike="noStrike" cap="none" normalizeH="0" baseline="0" dirty="0">
+                <a:ln>
+                  <a:noFill/>
+                </a:ln>
+                <a:solidFill>
+                  <a:srgbClr val="333333"/>
+                </a:solidFill>
+                <a:effectLst/>
+                <a:latin typeface="Consolas" panose="020B0609020204030204" pitchFamily="49" charset="0"/>
+              </a:rPr>
+              <a:t>(</a:t>
+            </a:r>
+            <a:r>
+              <a:rPr lang="en-US" altLang="ko-KR" dirty="0">
+                <a:solidFill>
+                  <a:srgbClr val="333333"/>
+                </a:solidFill>
+                <a:latin typeface="Consolas" panose="020B0609020204030204" pitchFamily="49" charset="0"/>
+              </a:rPr>
+              <a:t>1L</a:t>
+            </a:r>
+            <a:r>
+              <a:rPr kumimoji="0" lang="ko-KR" altLang="ko-KR" b="0" i="0" u="none" strike="noStrike" cap="none" normalizeH="0" baseline="0" dirty="0">
+                <a:ln>
+                  <a:noFill/>
+                </a:ln>
+                <a:solidFill>
+                  <a:srgbClr val="333333"/>
+                </a:solidFill>
+                <a:effectLst/>
+                <a:latin typeface="Consolas" panose="020B0609020204030204" pitchFamily="49" charset="0"/>
+              </a:rPr>
+              <a:t>) </a:t>
+            </a:r>
+            <a:endParaRPr kumimoji="0" lang="en-US" altLang="ko-KR" b="0" i="0" u="none" strike="noStrike" cap="none" normalizeH="0" baseline="0" dirty="0">
+              <a:ln>
+                <a:noFill/>
+              </a:ln>
+              <a:solidFill>
+                <a:srgbClr val="333333"/>
+              </a:solidFill>
+              <a:effectLst/>
+              <a:latin typeface="Consolas" panose="020B0609020204030204" pitchFamily="49" charset="0"/>
+            </a:endParaRPr>
+          </a:p>
+          <a:p>
+            <a:pPr marL="0" marR="0" lvl="0" indent="0" algn="l" defTabSz="914400" rtl="0" eaLnBrk="0" fontAlgn="base" latinLnBrk="0" hangingPunct="0">
+              <a:lnSpc>
+                <a:spcPct val="100000"/>
+              </a:lnSpc>
+              <a:spcBef>
+                <a:spcPct val="0"/>
+              </a:spcBef>
+              <a:spcAft>
+                <a:spcPct val="0"/>
+              </a:spcAft>
+              <a:buClrTx/>
+              <a:buSzTx/>
+              <a:buFontTx/>
+              <a:buNone/>
+              <a:tabLst/>
+            </a:pPr>
+            <a:r>
+              <a:rPr kumimoji="0" lang="ko-KR" altLang="ko-KR" b="0" i="1" u="none" strike="noStrike" cap="none" normalizeH="0" baseline="0" dirty="0">
+                <a:ln>
+                  <a:noFill/>
+                </a:ln>
+                <a:solidFill>
+                  <a:srgbClr val="60A0B0"/>
+                </a:solidFill>
+                <a:effectLst/>
+                <a:latin typeface="Consolas" panose="020B0609020204030204" pitchFamily="49" charset="0"/>
+              </a:rPr>
+              <a:t>#&gt; [1] "</a:t>
+            </a:r>
+            <a:r>
+              <a:rPr kumimoji="0" lang="ko-KR" altLang="ko-KR" b="0" i="1" u="none" strike="noStrike" cap="none" normalizeH="0" baseline="0" dirty="0" err="1">
+                <a:ln>
+                  <a:noFill/>
+                </a:ln>
+                <a:solidFill>
+                  <a:srgbClr val="60A0B0"/>
+                </a:solidFill>
+                <a:effectLst/>
+                <a:latin typeface="Consolas" panose="020B0609020204030204" pitchFamily="49" charset="0"/>
+              </a:rPr>
+              <a:t>integer</a:t>
+            </a:r>
+            <a:r>
+              <a:rPr kumimoji="0" lang="ko-KR" altLang="en-US" b="0" i="1" u="none" strike="noStrike" cap="none" normalizeH="0" baseline="0" dirty="0">
+                <a:ln>
+                  <a:noFill/>
+                </a:ln>
+                <a:solidFill>
+                  <a:srgbClr val="60A0B0"/>
+                </a:solidFill>
+                <a:effectLst/>
+                <a:latin typeface="Consolas" panose="020B0609020204030204" pitchFamily="49" charset="0"/>
+              </a:rPr>
+              <a:t>“</a:t>
+            </a:r>
+            <a:endParaRPr kumimoji="0" lang="en-US" altLang="ko-KR" b="0" i="1" u="none" strike="noStrike" cap="none" normalizeH="0" baseline="0" dirty="0">
+              <a:ln>
+                <a:noFill/>
+              </a:ln>
+              <a:solidFill>
+                <a:srgbClr val="60A0B0"/>
+              </a:solidFill>
+              <a:effectLst/>
+              <a:latin typeface="Consolas" panose="020B0609020204030204" pitchFamily="49" charset="0"/>
+            </a:endParaRPr>
+          </a:p>
+          <a:p>
+            <a:pPr marL="0" marR="0" lvl="0" indent="0" algn="l" defTabSz="914400" rtl="0" eaLnBrk="0" fontAlgn="base" latinLnBrk="0" hangingPunct="0">
+              <a:lnSpc>
+                <a:spcPct val="100000"/>
+              </a:lnSpc>
+              <a:spcBef>
+                <a:spcPct val="0"/>
+              </a:spcBef>
+              <a:spcAft>
+                <a:spcPct val="0"/>
+              </a:spcAft>
+              <a:buClrTx/>
+              <a:buSzTx/>
+              <a:buFontTx/>
+              <a:buNone/>
+              <a:tabLst/>
+            </a:pPr>
+            <a:endParaRPr kumimoji="0" lang="ko-KR" altLang="ko-KR" sz="1050" b="0" i="0" u="none" strike="noStrike" cap="none" normalizeH="0" baseline="0" dirty="0">
+              <a:ln>
+                <a:noFill/>
+              </a:ln>
+              <a:solidFill>
+                <a:schemeClr val="tx1"/>
+              </a:solidFill>
+              <a:effectLst/>
+              <a:latin typeface="Arial" panose="020B0604020202020204" pitchFamily="34" charset="0"/>
+            </a:endParaRPr>
+          </a:p>
+        </p:txBody>
+      </p:sp>
+    </p:spTree>
+    <p:extLst>
+      <p:ext uri="{BB962C8B-B14F-4D97-AF65-F5344CB8AC3E}">
+        <p14:creationId xmlns:p14="http://schemas.microsoft.com/office/powerpoint/2010/main" val="999903052"/>
+      </p:ext>
+    </p:extLst>
+  </p:cSld>
+  <p:clrMapOvr>
+    <a:masterClrMapping/>
+  </p:clrMapOvr>
+</p:sld>
+</file>
+
+<file path=ppt/slides/slide6.xml><?xml version="1.0" encoding="utf-8"?>
+<p:sld xmlns:a="http://schemas.openxmlformats.org/drawingml/2006/main" xmlns:r="http://schemas.openxmlformats.org/officeDocument/2006/relationships" xmlns:p="http://schemas.openxmlformats.org/presentationml/2006/main">
+  <p:cSld>
+    <p:spTree>
+      <p:nvGrpSpPr>
+        <p:cNvPr id="1" name=""/>
+        <p:cNvGrpSpPr/>
+        <p:nvPr/>
+      </p:nvGrpSpPr>
+      <p:grpSpPr>
+        <a:xfrm>
+          <a:off x="0" y="0"/>
+          <a:ext cx="0" cy="0"/>
+          <a:chOff x="0" y="0"/>
+          <a:chExt cx="0" cy="0"/>
+        </a:xfrm>
+      </p:grpSpPr>
+      <p:sp>
+        <p:nvSpPr>
+          <p:cNvPr id="4" name="제목 3">
+            <a:extLst>
+              <a:ext uri="{FF2B5EF4-FFF2-40B4-BE49-F238E27FC236}">
+                <a16:creationId xmlns:a16="http://schemas.microsoft.com/office/drawing/2014/main" id="{80F83AF7-673C-48EE-88AA-5231C3FDE449}"/>
+              </a:ext>
+            </a:extLst>
+          </p:cNvPr>
+          <p:cNvSpPr>
+            <a:spLocks noGrp="1"/>
+          </p:cNvSpPr>
+          <p:nvPr>
+            <p:ph type="title"/>
+          </p:nvPr>
+        </p:nvSpPr>
+        <p:spPr/>
+        <p:txBody>
+          <a:bodyPr/>
+          <a:lstStyle/>
+          <a:p>
+            <a:r>
+              <a:rPr lang="ko-KR" altLang="en-US" dirty="0"/>
+              <a:t>글자형</a:t>
+            </a:r>
+            <a:r>
+              <a:rPr lang="en-US" altLang="ko-KR" dirty="0"/>
+              <a:t>(character)</a:t>
+            </a:r>
+            <a:endParaRPr lang="ko-KR" altLang="en-US" dirty="0"/>
+          </a:p>
+        </p:txBody>
+      </p:sp>
+      <p:sp>
+        <p:nvSpPr>
+          <p:cNvPr id="5" name="텍스트 개체 틀 4">
+            <a:extLst>
+              <a:ext uri="{FF2B5EF4-FFF2-40B4-BE49-F238E27FC236}">
+                <a16:creationId xmlns:a16="http://schemas.microsoft.com/office/drawing/2014/main" id="{03232471-C71E-4213-BADC-438102C588B6}"/>
+              </a:ext>
+            </a:extLst>
+          </p:cNvPr>
+          <p:cNvSpPr>
+            <a:spLocks noGrp="1"/>
+          </p:cNvSpPr>
+          <p:nvPr>
+            <p:ph type="body" sz="quarter" idx="10"/>
+          </p:nvPr>
+        </p:nvSpPr>
+        <p:spPr/>
+        <p:txBody>
+          <a:bodyPr/>
+          <a:lstStyle/>
+          <a:p>
+            <a:r>
+              <a:rPr lang="en-US" altLang="ko-KR" dirty="0"/>
+              <a:t>02</a:t>
+            </a:r>
+            <a:endParaRPr lang="ko-KR" altLang="en-US" dirty="0"/>
+          </a:p>
+        </p:txBody>
+      </p:sp>
+      <p:sp>
+        <p:nvSpPr>
+          <p:cNvPr id="6" name="내용 개체 틀 5">
+            <a:extLst>
+              <a:ext uri="{FF2B5EF4-FFF2-40B4-BE49-F238E27FC236}">
+                <a16:creationId xmlns:a16="http://schemas.microsoft.com/office/drawing/2014/main" id="{D70D8497-63ED-458B-83CC-75B715CFA001}"/>
+              </a:ext>
+            </a:extLst>
+          </p:cNvPr>
+          <p:cNvSpPr>
+            <a:spLocks noGrp="1"/>
+          </p:cNvSpPr>
+          <p:nvPr>
+            <p:ph sz="quarter" idx="11"/>
+          </p:nvPr>
+        </p:nvSpPr>
+        <p:spPr/>
+        <p:txBody>
+          <a:bodyPr/>
+          <a:lstStyle/>
+          <a:p>
+            <a:r>
+              <a:rPr lang="ko-KR" altLang="en-US" dirty="0"/>
+              <a:t>데이터의 기본</a:t>
+            </a:r>
+          </a:p>
+        </p:txBody>
+      </p:sp>
+      <p:sp>
+        <p:nvSpPr>
+          <p:cNvPr id="7" name="텍스트 개체 틀 6">
+            <a:extLst>
+              <a:ext uri="{FF2B5EF4-FFF2-40B4-BE49-F238E27FC236}">
+                <a16:creationId xmlns:a16="http://schemas.microsoft.com/office/drawing/2014/main" id="{0A22EB7E-10EB-4AB2-A4B6-7E7E9BFBC96B}"/>
+              </a:ext>
+            </a:extLst>
+          </p:cNvPr>
+          <p:cNvSpPr>
+            <a:spLocks noGrp="1"/>
+          </p:cNvSpPr>
+          <p:nvPr>
+            <p:ph type="body" sz="quarter" idx="12"/>
+          </p:nvPr>
+        </p:nvSpPr>
+        <p:spPr>
+          <a:xfrm>
+            <a:off x="682260" y="901517"/>
+            <a:ext cx="10471516" cy="2430964"/>
+          </a:xfrm>
+        </p:spPr>
+        <p:txBody>
+          <a:bodyPr/>
+          <a:lstStyle/>
+          <a:p>
+            <a:r>
+              <a:rPr lang="ko-KR" altLang="en-US" dirty="0"/>
+              <a:t>글자 데이터는 </a:t>
+            </a:r>
+            <a:r>
+              <a:rPr lang="en-US" altLang="ko-KR" dirty="0"/>
+              <a:t>", ' </a:t>
+            </a:r>
+            <a:r>
+              <a:rPr lang="ko-KR" altLang="en-US" dirty="0"/>
+              <a:t>로 감싸야 글자형으로 인식</a:t>
+            </a:r>
+            <a:endParaRPr lang="en-US" altLang="ko-KR" dirty="0"/>
+          </a:p>
+          <a:p>
+            <a:endParaRPr lang="en-US" altLang="ko-KR" dirty="0"/>
+          </a:p>
+          <a:p>
+            <a:r>
+              <a:rPr lang="ko-KR" altLang="en-US" dirty="0"/>
+              <a:t>그렇지 않다면 객체로 인식</a:t>
+            </a:r>
+            <a:endParaRPr lang="en-US" altLang="ko-KR" dirty="0"/>
+          </a:p>
+        </p:txBody>
+      </p:sp>
+      <p:sp>
+        <p:nvSpPr>
+          <p:cNvPr id="9" name="Rectangle 2">
+            <a:extLst>
+              <a:ext uri="{FF2B5EF4-FFF2-40B4-BE49-F238E27FC236}">
+                <a16:creationId xmlns:a16="http://schemas.microsoft.com/office/drawing/2014/main" id="{107243D5-2C23-4E5D-A8F1-3784CC7E4AC5}"/>
+              </a:ext>
+            </a:extLst>
+          </p:cNvPr>
+          <p:cNvSpPr>
+            <a:spLocks noChangeArrowheads="1"/>
+          </p:cNvSpPr>
+          <p:nvPr/>
+        </p:nvSpPr>
+        <p:spPr bwMode="auto">
+          <a:xfrm>
+            <a:off x="1626242" y="2882547"/>
+            <a:ext cx="5333358" cy="1674924"/>
+          </a:xfrm>
+          <a:prstGeom prst="rect">
+            <a:avLst/>
+          </a:prstGeom>
+          <a:solidFill>
+            <a:srgbClr val="F7F7F7"/>
+          </a:solidFill>
+          <a:ln>
+            <a:noFill/>
+          </a:ln>
+          <a:effectLst/>
+          <a:extLst>
+            <a:ext uri="{91240B29-F687-4F45-9708-019B960494DF}">
+              <a14:hiddenLine xmlns:a14="http://schemas.microsoft.com/office/drawing/2010/main" w="9525">
+                <a:solidFill>
+                  <a:schemeClr val="tx1"/>
+                </a:solidFill>
+                <a:miter lim="800000"/>
+                <a:headEnd/>
+                <a:tailEnd/>
+              </a14:hiddenLine>
+            </a:ext>
+            <a:ext uri="{AF507438-7753-43E0-B8FC-AC1667EBCBE1}">
+              <a14:hiddenEffects xmlns:a14="http://schemas.microsoft.com/office/drawing/2010/main">
+                <a:effectLst>
+                  <a:outerShdw dist="35921" dir="2700000" algn="ctr" rotWithShape="0">
+                    <a:schemeClr val="bg2"/>
+                  </a:outerShdw>
+                </a:effectLst>
+              </a14:hiddenEffects>
+            </a:ext>
+          </a:extLst>
+        </p:spPr>
+        <p:txBody>
+          <a:bodyPr vert="horz" wrap="square" lIns="144000" tIns="0" rIns="0" bIns="0" numCol="1" anchor="ctr" anchorCtr="0" compatLnSpc="1">
+            <a:prstTxWarp prst="textNoShape">
+              <a:avLst/>
+            </a:prstTxWarp>
+            <a:normAutofit/>
+          </a:bodyPr>
+          <a:lstStyle/>
+          <a:p>
+            <a:pPr lvl="0" eaLnBrk="0" fontAlgn="base" latinLnBrk="0" hangingPunct="0">
+              <a:spcBef>
+                <a:spcPct val="0"/>
+              </a:spcBef>
+              <a:spcAft>
+                <a:spcPct val="0"/>
+              </a:spcAft>
+            </a:pPr>
+            <a:r>
+              <a:rPr lang="ko-KR" altLang="ko-KR" dirty="0" err="1">
+                <a:solidFill>
+                  <a:srgbClr val="333333"/>
+                </a:solidFill>
+                <a:latin typeface="Consolas" panose="020B0609020204030204" pitchFamily="49" charset="0"/>
+              </a:rPr>
+              <a:t>x</a:t>
+            </a:r>
+            <a:r>
+              <a:rPr lang="ko-KR" altLang="ko-KR" dirty="0">
+                <a:solidFill>
+                  <a:srgbClr val="333333"/>
+                </a:solidFill>
+                <a:latin typeface="Consolas" panose="020B0609020204030204" pitchFamily="49" charset="0"/>
+              </a:rPr>
+              <a:t> &lt;-</a:t>
+            </a:r>
+            <a:r>
+              <a:rPr lang="ko-KR" altLang="ko-KR" dirty="0">
+                <a:solidFill>
+                  <a:srgbClr val="4070A0"/>
+                </a:solidFill>
+                <a:latin typeface="Consolas" panose="020B0609020204030204" pitchFamily="49" charset="0"/>
+              </a:rPr>
+              <a:t> "</a:t>
+            </a:r>
+            <a:r>
+              <a:rPr lang="ko-KR" altLang="ko-KR" dirty="0" err="1">
+                <a:solidFill>
+                  <a:srgbClr val="4070A0"/>
+                </a:solidFill>
+                <a:latin typeface="Consolas" panose="020B0609020204030204" pitchFamily="49" charset="0"/>
+              </a:rPr>
+              <a:t>a</a:t>
+            </a:r>
+            <a:r>
+              <a:rPr lang="en-US" altLang="ko-KR" dirty="0" err="1">
+                <a:solidFill>
+                  <a:srgbClr val="4070A0"/>
+                </a:solidFill>
+                <a:latin typeface="Consolas" panose="020B0609020204030204" pitchFamily="49" charset="0"/>
+              </a:rPr>
+              <a:t>bc</a:t>
+            </a:r>
+            <a:r>
+              <a:rPr lang="ko-KR" altLang="ko-KR" dirty="0">
+                <a:solidFill>
+                  <a:srgbClr val="4070A0"/>
+                </a:solidFill>
+                <a:latin typeface="Consolas" panose="020B0609020204030204" pitchFamily="49" charset="0"/>
+              </a:rPr>
+              <a:t>"</a:t>
+            </a:r>
+            <a:endParaRPr kumimoji="0" lang="en-US" altLang="ko-KR" b="1" i="0" u="none" strike="noStrike" cap="none" normalizeH="0" baseline="0" dirty="0">
+              <a:ln>
+                <a:noFill/>
+              </a:ln>
+              <a:solidFill>
+                <a:srgbClr val="007020"/>
+              </a:solidFill>
+              <a:effectLst/>
+              <a:latin typeface="Consolas" panose="020B0609020204030204" pitchFamily="49" charset="0"/>
+            </a:endParaRPr>
+          </a:p>
+          <a:p>
+            <a:pPr lvl="0" eaLnBrk="0" fontAlgn="base" latinLnBrk="0" hangingPunct="0">
+              <a:spcBef>
+                <a:spcPct val="0"/>
+              </a:spcBef>
+              <a:spcAft>
+                <a:spcPct val="0"/>
+              </a:spcAft>
+            </a:pPr>
+            <a:r>
+              <a:rPr kumimoji="0" lang="ko-KR" altLang="ko-KR" b="1" i="0" u="none" strike="noStrike" cap="none" normalizeH="0" baseline="0" dirty="0" err="1">
+                <a:ln>
+                  <a:noFill/>
+                </a:ln>
+                <a:solidFill>
+                  <a:srgbClr val="007020"/>
+                </a:solidFill>
+                <a:effectLst/>
+                <a:latin typeface="Consolas" panose="020B0609020204030204" pitchFamily="49" charset="0"/>
+              </a:rPr>
+              <a:t>typeof</a:t>
+            </a:r>
+            <a:r>
+              <a:rPr kumimoji="0" lang="ko-KR" altLang="ko-KR" b="0" i="0" u="none" strike="noStrike" cap="none" normalizeH="0" baseline="0" dirty="0">
+                <a:ln>
+                  <a:noFill/>
+                </a:ln>
+                <a:solidFill>
+                  <a:srgbClr val="333333"/>
+                </a:solidFill>
+                <a:effectLst/>
+                <a:latin typeface="Consolas" panose="020B0609020204030204" pitchFamily="49" charset="0"/>
+              </a:rPr>
+              <a:t>(</a:t>
+            </a:r>
+            <a:r>
+              <a:rPr kumimoji="0" lang="en-US" altLang="ko-KR" b="0" i="0" u="none" strike="noStrike" cap="none" normalizeH="0" baseline="0" dirty="0">
+                <a:ln>
+                  <a:noFill/>
+                </a:ln>
+                <a:solidFill>
+                  <a:srgbClr val="333333"/>
+                </a:solidFill>
+                <a:effectLst/>
+                <a:latin typeface="Consolas" panose="020B0609020204030204" pitchFamily="49" charset="0"/>
+              </a:rPr>
+              <a:t>x</a:t>
+            </a:r>
+            <a:r>
+              <a:rPr kumimoji="0" lang="ko-KR" altLang="ko-KR" b="0" i="0" u="none" strike="noStrike" cap="none" normalizeH="0" baseline="0" dirty="0">
+                <a:ln>
+                  <a:noFill/>
+                </a:ln>
+                <a:solidFill>
+                  <a:srgbClr val="333333"/>
+                </a:solidFill>
+                <a:effectLst/>
+                <a:latin typeface="Consolas" panose="020B0609020204030204" pitchFamily="49" charset="0"/>
+              </a:rPr>
+              <a:t>) </a:t>
+            </a:r>
+            <a:endParaRPr kumimoji="0" lang="en-US" altLang="ko-KR" b="0" i="0" u="none" strike="noStrike" cap="none" normalizeH="0" baseline="0" dirty="0">
+              <a:ln>
+                <a:noFill/>
+              </a:ln>
+              <a:solidFill>
+                <a:srgbClr val="333333"/>
+              </a:solidFill>
+              <a:effectLst/>
+              <a:latin typeface="Consolas" panose="020B0609020204030204" pitchFamily="49" charset="0"/>
+            </a:endParaRPr>
+          </a:p>
+          <a:p>
+            <a:pPr lvl="0" eaLnBrk="0" fontAlgn="base" latinLnBrk="0" hangingPunct="0">
+              <a:spcBef>
+                <a:spcPct val="0"/>
+              </a:spcBef>
+              <a:spcAft>
+                <a:spcPct val="0"/>
+              </a:spcAft>
+            </a:pPr>
+            <a:r>
+              <a:rPr kumimoji="0" lang="ko-KR" altLang="ko-KR" b="0" i="1" u="none" strike="noStrike" cap="none" normalizeH="0" baseline="0" dirty="0">
+                <a:ln>
+                  <a:noFill/>
+                </a:ln>
+                <a:solidFill>
+                  <a:srgbClr val="60A0B0"/>
+                </a:solidFill>
+                <a:effectLst/>
+                <a:latin typeface="Consolas" panose="020B0609020204030204" pitchFamily="49" charset="0"/>
+              </a:rPr>
+              <a:t>#&gt; [1] </a:t>
+            </a:r>
+            <a:r>
+              <a:rPr lang="ko-KR" altLang="ko-KR" i="1" dirty="0">
+                <a:solidFill>
+                  <a:srgbClr val="60A0B0"/>
+                </a:solidFill>
+                <a:latin typeface="Consolas" panose="020B0609020204030204" pitchFamily="49" charset="0"/>
+              </a:rPr>
+              <a:t>"</a:t>
+            </a:r>
+            <a:r>
+              <a:rPr lang="en-US" altLang="ko-KR" i="1" dirty="0">
+                <a:solidFill>
+                  <a:srgbClr val="60A0B0"/>
+                </a:solidFill>
+                <a:latin typeface="Consolas" panose="020B0609020204030204" pitchFamily="49" charset="0"/>
+              </a:rPr>
+              <a:t>character</a:t>
+            </a:r>
+            <a:r>
+              <a:rPr kumimoji="0" lang="ko-KR" altLang="ko-KR" b="0" i="1" u="none" strike="noStrike" cap="none" normalizeH="0" baseline="0" dirty="0">
+                <a:ln>
+                  <a:noFill/>
+                </a:ln>
+                <a:solidFill>
+                  <a:srgbClr val="60A0B0"/>
+                </a:solidFill>
+                <a:effectLst/>
+                <a:latin typeface="Consolas" panose="020B0609020204030204" pitchFamily="49" charset="0"/>
+              </a:rPr>
+              <a:t>"</a:t>
+            </a:r>
+            <a:r>
+              <a:rPr kumimoji="0" lang="ko-KR" altLang="ko-KR" b="0" i="0" u="none" strike="noStrike" cap="none" normalizeH="0" baseline="0" dirty="0">
+                <a:ln>
+                  <a:noFill/>
+                </a:ln>
+                <a:solidFill>
+                  <a:srgbClr val="333333"/>
+                </a:solidFill>
+                <a:effectLst/>
+                <a:latin typeface="Consolas" panose="020B0609020204030204" pitchFamily="49" charset="0"/>
+              </a:rPr>
+              <a:t> </a:t>
+            </a:r>
+            <a:endParaRPr kumimoji="0" lang="en-US" altLang="ko-KR" b="0" i="0" u="none" strike="noStrike" cap="none" normalizeH="0" baseline="0" dirty="0">
+              <a:ln>
+                <a:noFill/>
+              </a:ln>
+              <a:solidFill>
+                <a:srgbClr val="333333"/>
+              </a:solidFill>
+              <a:effectLst/>
+              <a:latin typeface="Consolas" panose="020B0609020204030204" pitchFamily="49" charset="0"/>
+            </a:endParaRPr>
+          </a:p>
+          <a:p>
+            <a:pPr lvl="0" eaLnBrk="0" fontAlgn="base" latinLnBrk="0" hangingPunct="0">
+              <a:spcBef>
+                <a:spcPct val="0"/>
+              </a:spcBef>
+              <a:spcAft>
+                <a:spcPct val="0"/>
+              </a:spcAft>
+            </a:pPr>
+            <a:r>
+              <a:rPr lang="en-US" altLang="ko-KR" dirty="0">
+                <a:solidFill>
+                  <a:srgbClr val="333333"/>
+                </a:solidFill>
+                <a:latin typeface="Consolas" panose="020B0609020204030204" pitchFamily="49" charset="0"/>
+              </a:rPr>
+              <a:t>x </a:t>
+            </a:r>
+          </a:p>
+          <a:p>
+            <a:pPr lvl="0" eaLnBrk="0" fontAlgn="base" latinLnBrk="0" hangingPunct="0">
+              <a:spcBef>
+                <a:spcPct val="0"/>
+              </a:spcBef>
+              <a:spcAft>
+                <a:spcPct val="0"/>
+              </a:spcAft>
+            </a:pPr>
+            <a:r>
+              <a:rPr kumimoji="0" lang="ko-KR" altLang="ko-KR" b="0" i="1" u="none" strike="noStrike" cap="none" normalizeH="0" baseline="0" dirty="0">
+                <a:ln>
+                  <a:noFill/>
+                </a:ln>
+                <a:solidFill>
+                  <a:srgbClr val="60A0B0"/>
+                </a:solidFill>
+                <a:effectLst/>
+                <a:latin typeface="Consolas" panose="020B0609020204030204" pitchFamily="49" charset="0"/>
+              </a:rPr>
+              <a:t>#&gt; [1] </a:t>
+            </a:r>
+            <a:r>
+              <a:rPr lang="ko-KR" altLang="ko-KR" i="1" dirty="0">
+                <a:solidFill>
+                  <a:srgbClr val="60A0B0"/>
+                </a:solidFill>
+                <a:latin typeface="Consolas" panose="020B0609020204030204" pitchFamily="49" charset="0"/>
+              </a:rPr>
+              <a:t>"</a:t>
+            </a:r>
+            <a:r>
+              <a:rPr kumimoji="0" lang="en-US" altLang="ko-KR" b="0" i="1" u="none" strike="noStrike" cap="none" normalizeH="0" baseline="0" dirty="0" err="1">
+                <a:ln>
+                  <a:noFill/>
+                </a:ln>
+                <a:solidFill>
+                  <a:srgbClr val="60A0B0"/>
+                </a:solidFill>
+                <a:effectLst/>
+                <a:latin typeface="Consolas" panose="020B0609020204030204" pitchFamily="49" charset="0"/>
+              </a:rPr>
+              <a:t>abc</a:t>
+            </a:r>
+            <a:r>
+              <a:rPr lang="ko-KR" altLang="ko-KR" i="1" dirty="0">
+                <a:solidFill>
+                  <a:srgbClr val="60A0B0"/>
+                </a:solidFill>
+                <a:latin typeface="Consolas" panose="020B0609020204030204" pitchFamily="49" charset="0"/>
+              </a:rPr>
+              <a:t>"</a:t>
+            </a:r>
+            <a:endParaRPr kumimoji="0" lang="en-US" altLang="ko-KR" b="0" i="1" u="none" strike="noStrike" cap="none" normalizeH="0" baseline="0" dirty="0">
+              <a:ln>
+                <a:noFill/>
+              </a:ln>
+              <a:solidFill>
+                <a:srgbClr val="60A0B0"/>
+              </a:solidFill>
+              <a:effectLst/>
+              <a:latin typeface="Consolas" panose="020B0609020204030204" pitchFamily="49" charset="0"/>
+            </a:endParaRPr>
+          </a:p>
+          <a:p>
+            <a:pPr marL="0" marR="0" lvl="0" indent="0" algn="l" defTabSz="914400" rtl="0" eaLnBrk="0" fontAlgn="base" latinLnBrk="0" hangingPunct="0">
+              <a:lnSpc>
+                <a:spcPct val="100000"/>
+              </a:lnSpc>
+              <a:spcBef>
+                <a:spcPct val="0"/>
+              </a:spcBef>
+              <a:spcAft>
+                <a:spcPct val="0"/>
+              </a:spcAft>
+              <a:buClrTx/>
+              <a:buSzTx/>
+              <a:buFontTx/>
+              <a:buNone/>
+              <a:tabLst/>
+            </a:pPr>
+            <a:endParaRPr kumimoji="0" lang="ko-KR" altLang="ko-KR" sz="1050" b="0" i="0" u="none" strike="noStrike" cap="none" normalizeH="0" baseline="0" dirty="0">
+              <a:ln>
+                <a:noFill/>
+              </a:ln>
+              <a:solidFill>
+                <a:schemeClr val="tx1"/>
+              </a:solidFill>
+              <a:effectLst/>
+              <a:latin typeface="Arial" panose="020B0604020202020204" pitchFamily="34" charset="0"/>
+            </a:endParaRPr>
+          </a:p>
+        </p:txBody>
+      </p:sp>
+    </p:spTree>
+    <p:extLst>
+      <p:ext uri="{BB962C8B-B14F-4D97-AF65-F5344CB8AC3E}">
+        <p14:creationId xmlns:p14="http://schemas.microsoft.com/office/powerpoint/2010/main" val="83980645"/>
+      </p:ext>
+    </p:extLst>
+  </p:cSld>
+  <p:clrMapOvr>
+    <a:masterClrMapping/>
+  </p:clrMapOvr>
+</p:sld>
+</file>
+
+<file path=ppt/slides/slide7.xml><?xml version="1.0" encoding="utf-8"?>
+<p:sld xmlns:a="http://schemas.openxmlformats.org/drawingml/2006/main" xmlns:r="http://schemas.openxmlformats.org/officeDocument/2006/relationships" xmlns:p="http://schemas.openxmlformats.org/presentationml/2006/main">
+  <p:cSld>
+    <p:spTree>
+      <p:nvGrpSpPr>
+        <p:cNvPr id="1" name=""/>
+        <p:cNvGrpSpPr/>
+        <p:nvPr/>
+      </p:nvGrpSpPr>
+      <p:grpSpPr>
+        <a:xfrm>
+          <a:off x="0" y="0"/>
+          <a:ext cx="0" cy="0"/>
+          <a:chOff x="0" y="0"/>
+          <a:chExt cx="0" cy="0"/>
+        </a:xfrm>
+      </p:grpSpPr>
+      <p:sp>
+        <p:nvSpPr>
+          <p:cNvPr id="4" name="제목 3">
+            <a:extLst>
+              <a:ext uri="{FF2B5EF4-FFF2-40B4-BE49-F238E27FC236}">
+                <a16:creationId xmlns:a16="http://schemas.microsoft.com/office/drawing/2014/main" id="{80F83AF7-673C-48EE-88AA-5231C3FDE449}"/>
+              </a:ext>
+            </a:extLst>
+          </p:cNvPr>
+          <p:cNvSpPr>
+            <a:spLocks noGrp="1"/>
+          </p:cNvSpPr>
+          <p:nvPr>
+            <p:ph type="title"/>
+          </p:nvPr>
+        </p:nvSpPr>
+        <p:spPr/>
+        <p:txBody>
+          <a:bodyPr/>
+          <a:lstStyle/>
+          <a:p>
+            <a:r>
+              <a:rPr lang="ko-KR" altLang="en-US" dirty="0"/>
+              <a:t>조심하세요</a:t>
+            </a:r>
+            <a:r>
+              <a:rPr lang="en-US" altLang="ko-KR" dirty="0"/>
+              <a:t>! </a:t>
+            </a:r>
+            <a:r>
+              <a:rPr lang="ko-KR" altLang="en-US" dirty="0"/>
+              <a:t>인코딩</a:t>
+            </a:r>
+            <a:r>
+              <a:rPr lang="en-US" altLang="ko-KR" dirty="0"/>
+              <a:t>(encoding)</a:t>
+            </a:r>
+            <a:endParaRPr lang="ko-KR" altLang="en-US" dirty="0"/>
+          </a:p>
+        </p:txBody>
+      </p:sp>
+      <p:sp>
+        <p:nvSpPr>
+          <p:cNvPr id="5" name="텍스트 개체 틀 4">
+            <a:extLst>
+              <a:ext uri="{FF2B5EF4-FFF2-40B4-BE49-F238E27FC236}">
+                <a16:creationId xmlns:a16="http://schemas.microsoft.com/office/drawing/2014/main" id="{03232471-C71E-4213-BADC-438102C588B6}"/>
+              </a:ext>
+            </a:extLst>
+          </p:cNvPr>
+          <p:cNvSpPr>
+            <a:spLocks noGrp="1"/>
+          </p:cNvSpPr>
+          <p:nvPr>
+            <p:ph type="body" sz="quarter" idx="10"/>
+          </p:nvPr>
+        </p:nvSpPr>
+        <p:spPr/>
+        <p:txBody>
+          <a:bodyPr/>
+          <a:lstStyle/>
+          <a:p>
+            <a:r>
+              <a:rPr lang="en-US" altLang="ko-KR" dirty="0"/>
+              <a:t>02</a:t>
+            </a:r>
+            <a:endParaRPr lang="ko-KR" altLang="en-US" dirty="0"/>
+          </a:p>
+        </p:txBody>
+      </p:sp>
+      <p:sp>
+        <p:nvSpPr>
+          <p:cNvPr id="6" name="내용 개체 틀 5">
+            <a:extLst>
+              <a:ext uri="{FF2B5EF4-FFF2-40B4-BE49-F238E27FC236}">
+                <a16:creationId xmlns:a16="http://schemas.microsoft.com/office/drawing/2014/main" id="{D70D8497-63ED-458B-83CC-75B715CFA001}"/>
+              </a:ext>
+            </a:extLst>
+          </p:cNvPr>
+          <p:cNvSpPr>
+            <a:spLocks noGrp="1"/>
+          </p:cNvSpPr>
+          <p:nvPr>
+            <p:ph sz="quarter" idx="11"/>
+          </p:nvPr>
+        </p:nvSpPr>
+        <p:spPr/>
+        <p:txBody>
+          <a:bodyPr/>
+          <a:lstStyle/>
+          <a:p>
+            <a:r>
+              <a:rPr lang="ko-KR" altLang="en-US" dirty="0"/>
+              <a:t>데이터의 기본</a:t>
+            </a:r>
+          </a:p>
+        </p:txBody>
+      </p:sp>
+      <p:sp>
+        <p:nvSpPr>
+          <p:cNvPr id="7" name="텍스트 개체 틀 6">
+            <a:extLst>
+              <a:ext uri="{FF2B5EF4-FFF2-40B4-BE49-F238E27FC236}">
+                <a16:creationId xmlns:a16="http://schemas.microsoft.com/office/drawing/2014/main" id="{0A22EB7E-10EB-4AB2-A4B6-7E7E9BFBC96B}"/>
+              </a:ext>
+            </a:extLst>
+          </p:cNvPr>
+          <p:cNvSpPr>
+            <a:spLocks noGrp="1"/>
+          </p:cNvSpPr>
+          <p:nvPr>
+            <p:ph type="body" sz="quarter" idx="12"/>
+          </p:nvPr>
+        </p:nvSpPr>
+        <p:spPr>
+          <a:xfrm>
+            <a:off x="682260" y="901516"/>
+            <a:ext cx="10471516" cy="1770563"/>
+          </a:xfrm>
+        </p:spPr>
+        <p:txBody>
+          <a:bodyPr/>
+          <a:lstStyle/>
+          <a:p>
+            <a:r>
+              <a:rPr lang="ko-KR" altLang="en-US" dirty="0"/>
+              <a:t>한글을 표시하는 인코딩은 </a:t>
+            </a:r>
+            <a:r>
+              <a:rPr lang="en-US" altLang="ko-KR" dirty="0"/>
+              <a:t>CP949(MS949), UTF-8 </a:t>
+            </a:r>
+            <a:r>
+              <a:rPr lang="ko-KR" altLang="en-US" dirty="0"/>
+              <a:t>등 다양함</a:t>
+            </a:r>
+            <a:endParaRPr lang="en-US" altLang="ko-KR" dirty="0"/>
+          </a:p>
+          <a:p>
+            <a:endParaRPr lang="en-US" altLang="ko-KR" dirty="0"/>
+          </a:p>
+          <a:p>
+            <a:r>
+              <a:rPr lang="ko-KR" altLang="en-US" dirty="0"/>
+              <a:t>유니코드 방식인 </a:t>
+            </a:r>
+            <a:r>
+              <a:rPr lang="en-US" altLang="ko-KR" dirty="0"/>
+              <a:t>UTF-8 </a:t>
+            </a:r>
+            <a:r>
+              <a:rPr lang="ko-KR" altLang="en-US" dirty="0"/>
+              <a:t>사용을 권장</a:t>
+            </a:r>
+            <a:endParaRPr lang="en-US" altLang="ko-KR" dirty="0"/>
+          </a:p>
+        </p:txBody>
+      </p:sp>
+    </p:spTree>
+    <p:extLst>
+      <p:ext uri="{BB962C8B-B14F-4D97-AF65-F5344CB8AC3E}">
+        <p14:creationId xmlns:p14="http://schemas.microsoft.com/office/powerpoint/2010/main" val="3239692529"/>
+      </p:ext>
+    </p:extLst>
+  </p:cSld>
+  <p:clrMapOvr>
+    <a:masterClrMapping/>
+  </p:clrMapOvr>
+</p:sld>
+</file>
+
+<file path=ppt/slides/slide8.xml><?xml version="1.0" encoding="utf-8"?>
+<p:sld xmlns:a="http://schemas.openxmlformats.org/drawingml/2006/main" xmlns:r="http://schemas.openxmlformats.org/officeDocument/2006/relationships" xmlns:p="http://schemas.openxmlformats.org/presentationml/2006/main">
+  <p:cSld>
+    <p:spTree>
+      <p:nvGrpSpPr>
+        <p:cNvPr id="1" name=""/>
+        <p:cNvGrpSpPr/>
+        <p:nvPr/>
+      </p:nvGrpSpPr>
+      <p:grpSpPr>
+        <a:xfrm>
+          <a:off x="0" y="0"/>
+          <a:ext cx="0" cy="0"/>
+          <a:chOff x="0" y="0"/>
+          <a:chExt cx="0" cy="0"/>
+        </a:xfrm>
+      </p:grpSpPr>
+      <p:sp>
+        <p:nvSpPr>
+          <p:cNvPr id="2" name="텍스트 개체 틀 1"/>
           <p:cNvSpPr>
             <a:spLocks noGrp="1"/>
           </p:cNvSpPr>
@@ -7091,15 +10254,14 @@
           <a:lstStyle/>
           <a:p>
             <a:r>
-              <a:rPr/>
               <a:t>02</a:t>
             </a:r>
           </a:p>
         </p:txBody>
       </p:sp>
-      <p:sp xmlns:a="http://schemas.openxmlformats.org/drawingml/2006/main" xmlns:r="http://schemas.openxmlformats.org/officeDocument/2006/relationships" xmlns:p="http://schemas.openxmlformats.org/presentationml/2006/main">
-        <p:nvSpPr>
-          <p:cNvPr id="3" name=""/>
+      <p:sp>
+        <p:nvSpPr>
+          <p:cNvPr id="3" name="내용 개체 틀 2"/>
           <p:cNvSpPr>
             <a:spLocks noGrp="1"/>
           </p:cNvSpPr>
@@ -7118,15 +10280,14 @@
           <a:lstStyle/>
           <a:p>
             <a:r>
-              <a:rPr/>
               <a:t>데이터의 기본</a:t>
             </a:r>
           </a:p>
         </p:txBody>
       </p:sp>
-      <p:sp xmlns:a="http://schemas.openxmlformats.org/drawingml/2006/main" xmlns:r="http://schemas.openxmlformats.org/officeDocument/2006/relationships" xmlns:p="http://schemas.openxmlformats.org/presentationml/2006/main">
-        <p:nvSpPr>
-          <p:cNvPr id="4" name=""/>
+      <p:sp>
+        <p:nvSpPr>
+          <p:cNvPr id="4" name="제목 3"/>
           <p:cNvSpPr>
             <a:spLocks noGrp="1"/>
           </p:cNvSpPr>
@@ -7145,7 +10306,6 @@
           <a:lstStyle/>
           <a:p>
             <a:r>
-              <a:rPr/>
               <a:t>끝</a:t>
             </a:r>
           </a:p>
